--- a/presentaciones/Figuras.pptx
+++ b/presentaciones/Figuras.pptx
@@ -14,6 +14,7 @@
     <p:sldId id="260" r:id="rId8"/>
     <p:sldId id="262" r:id="rId9"/>
     <p:sldId id="264" r:id="rId10"/>
+    <p:sldId id="265" r:id="rId11"/>
   </p:sldIdLst>
   <p:sldSz cx="12192000" cy="6858000"/>
   <p:notesSz cx="6858000" cy="9144000"/>
@@ -269,7 +270,7 @@
           <a:p>
             <a:fld id="{CA1E5725-B663-4950-A947-154B4CFC5EBF}" type="datetimeFigureOut">
               <a:rPr lang="es-MX" smtClean="0"/>
-              <a:t>30/08/2020</a:t>
+              <a:t>29/01/2021</a:t>
             </a:fld>
             <a:endParaRPr lang="es-MX"/>
           </a:p>
@@ -469,7 +470,7 @@
           <a:p>
             <a:fld id="{CA1E5725-B663-4950-A947-154B4CFC5EBF}" type="datetimeFigureOut">
               <a:rPr lang="es-MX" smtClean="0"/>
-              <a:t>30/08/2020</a:t>
+              <a:t>29/01/2021</a:t>
             </a:fld>
             <a:endParaRPr lang="es-MX"/>
           </a:p>
@@ -679,7 +680,7 @@
           <a:p>
             <a:fld id="{CA1E5725-B663-4950-A947-154B4CFC5EBF}" type="datetimeFigureOut">
               <a:rPr lang="es-MX" smtClean="0"/>
-              <a:t>30/08/2020</a:t>
+              <a:t>29/01/2021</a:t>
             </a:fld>
             <a:endParaRPr lang="es-MX"/>
           </a:p>
@@ -879,7 +880,7 @@
           <a:p>
             <a:fld id="{CA1E5725-B663-4950-A947-154B4CFC5EBF}" type="datetimeFigureOut">
               <a:rPr lang="es-MX" smtClean="0"/>
-              <a:t>30/08/2020</a:t>
+              <a:t>29/01/2021</a:t>
             </a:fld>
             <a:endParaRPr lang="es-MX"/>
           </a:p>
@@ -1155,7 +1156,7 @@
           <a:p>
             <a:fld id="{CA1E5725-B663-4950-A947-154B4CFC5EBF}" type="datetimeFigureOut">
               <a:rPr lang="es-MX" smtClean="0"/>
-              <a:t>30/08/2020</a:t>
+              <a:t>29/01/2021</a:t>
             </a:fld>
             <a:endParaRPr lang="es-MX"/>
           </a:p>
@@ -1423,7 +1424,7 @@
           <a:p>
             <a:fld id="{CA1E5725-B663-4950-A947-154B4CFC5EBF}" type="datetimeFigureOut">
               <a:rPr lang="es-MX" smtClean="0"/>
-              <a:t>30/08/2020</a:t>
+              <a:t>29/01/2021</a:t>
             </a:fld>
             <a:endParaRPr lang="es-MX"/>
           </a:p>
@@ -1838,7 +1839,7 @@
           <a:p>
             <a:fld id="{CA1E5725-B663-4950-A947-154B4CFC5EBF}" type="datetimeFigureOut">
               <a:rPr lang="es-MX" smtClean="0"/>
-              <a:t>30/08/2020</a:t>
+              <a:t>29/01/2021</a:t>
             </a:fld>
             <a:endParaRPr lang="es-MX"/>
           </a:p>
@@ -1980,7 +1981,7 @@
           <a:p>
             <a:fld id="{CA1E5725-B663-4950-A947-154B4CFC5EBF}" type="datetimeFigureOut">
               <a:rPr lang="es-MX" smtClean="0"/>
-              <a:t>30/08/2020</a:t>
+              <a:t>29/01/2021</a:t>
             </a:fld>
             <a:endParaRPr lang="es-MX"/>
           </a:p>
@@ -2093,7 +2094,7 @@
           <a:p>
             <a:fld id="{CA1E5725-B663-4950-A947-154B4CFC5EBF}" type="datetimeFigureOut">
               <a:rPr lang="es-MX" smtClean="0"/>
-              <a:t>30/08/2020</a:t>
+              <a:t>29/01/2021</a:t>
             </a:fld>
             <a:endParaRPr lang="es-MX"/>
           </a:p>
@@ -2406,7 +2407,7 @@
           <a:p>
             <a:fld id="{CA1E5725-B663-4950-A947-154B4CFC5EBF}" type="datetimeFigureOut">
               <a:rPr lang="es-MX" smtClean="0"/>
-              <a:t>30/08/2020</a:t>
+              <a:t>29/01/2021</a:t>
             </a:fld>
             <a:endParaRPr lang="es-MX"/>
           </a:p>
@@ -2695,7 +2696,7 @@
           <a:p>
             <a:fld id="{CA1E5725-B663-4950-A947-154B4CFC5EBF}" type="datetimeFigureOut">
               <a:rPr lang="es-MX" smtClean="0"/>
-              <a:t>30/08/2020</a:t>
+              <a:t>29/01/2021</a:t>
             </a:fld>
             <a:endParaRPr lang="es-MX"/>
           </a:p>
@@ -2938,7 +2939,7 @@
           <a:p>
             <a:fld id="{CA1E5725-B663-4950-A947-154B4CFC5EBF}" type="datetimeFigureOut">
               <a:rPr lang="es-MX" smtClean="0"/>
-              <a:t>30/08/2020</a:t>
+              <a:t>29/01/2021</a:t>
             </a:fld>
             <a:endParaRPr lang="es-MX"/>
           </a:p>
@@ -4152,6 +4153,770 @@
     <p:extLst>
       <p:ext uri="{BB962C8B-B14F-4D97-AF65-F5344CB8AC3E}">
         <p14:creationId xmlns:p14="http://schemas.microsoft.com/office/powerpoint/2010/main" val="3866685506"/>
+      </p:ext>
+    </p:extLst>
+  </p:cSld>
+  <p:clrMapOvr>
+    <a:masterClrMapping/>
+  </p:clrMapOvr>
+</p:sld>
+</file>
+
+<file path=ppt/slides/slide10.xml><?xml version="1.0" encoding="utf-8"?>
+<p:sld xmlns:a="http://schemas.openxmlformats.org/drawingml/2006/main" xmlns:r="http://schemas.openxmlformats.org/officeDocument/2006/relationships" xmlns:p="http://schemas.openxmlformats.org/presentationml/2006/main">
+  <p:cSld>
+    <p:spTree>
+      <p:nvGrpSpPr>
+        <p:cNvPr id="1" name=""/>
+        <p:cNvGrpSpPr/>
+        <p:nvPr/>
+      </p:nvGrpSpPr>
+      <p:grpSpPr>
+        <a:xfrm>
+          <a:off x="0" y="0"/>
+          <a:ext cx="0" cy="0"/>
+          <a:chOff x="0" y="0"/>
+          <a:chExt cx="0" cy="0"/>
+        </a:xfrm>
+      </p:grpSpPr>
+      <p:grpSp>
+        <p:nvGrpSpPr>
+          <p:cNvPr id="33" name="Grupo 32">
+            <a:extLst>
+              <a:ext uri="{FF2B5EF4-FFF2-40B4-BE49-F238E27FC236}">
+                <a16:creationId xmlns:a16="http://schemas.microsoft.com/office/drawing/2014/main" id="{F69FB0B5-BB94-4C1E-A676-02C4A63981DD}"/>
+              </a:ext>
+            </a:extLst>
+          </p:cNvPr>
+          <p:cNvGrpSpPr/>
+          <p:nvPr/>
+        </p:nvGrpSpPr>
+        <p:grpSpPr>
+          <a:xfrm>
+            <a:off x="3147110" y="1934932"/>
+            <a:ext cx="6594305" cy="2594890"/>
+            <a:chOff x="1994585" y="2344507"/>
+            <a:chExt cx="6594305" cy="2594890"/>
+          </a:xfrm>
+        </p:grpSpPr>
+        <p:sp>
+          <p:nvSpPr>
+            <p:cNvPr id="3" name="Elipse 2">
+              <a:extLst>
+                <a:ext uri="{FF2B5EF4-FFF2-40B4-BE49-F238E27FC236}">
+                  <a16:creationId xmlns:a16="http://schemas.microsoft.com/office/drawing/2014/main" id="{4678265A-7370-43BE-B47E-286F593AE206}"/>
+                </a:ext>
+              </a:extLst>
+            </p:cNvPr>
+            <p:cNvSpPr/>
+            <p:nvPr/>
+          </p:nvSpPr>
+          <p:spPr>
+            <a:xfrm>
+              <a:off x="3403003" y="2344507"/>
+              <a:ext cx="612000" cy="612000"/>
+            </a:xfrm>
+            <a:prstGeom prst="ellipse">
+              <a:avLst/>
+            </a:prstGeom>
+            <a:solidFill>
+              <a:schemeClr val="tx1"/>
+            </a:solidFill>
+            <a:ln>
+              <a:noFill/>
+            </a:ln>
+          </p:spPr>
+          <p:style>
+            <a:lnRef idx="2">
+              <a:schemeClr val="accent1">
+                <a:shade val="50000"/>
+              </a:schemeClr>
+            </a:lnRef>
+            <a:fillRef idx="1">
+              <a:schemeClr val="accent1"/>
+            </a:fillRef>
+            <a:effectRef idx="0">
+              <a:schemeClr val="accent1"/>
+            </a:effectRef>
+            <a:fontRef idx="minor">
+              <a:schemeClr val="lt1"/>
+            </a:fontRef>
+          </p:style>
+          <p:txBody>
+            <a:bodyPr rtlCol="0" anchor="ctr"/>
+            <a:lstStyle/>
+            <a:p>
+              <a:pPr algn="ctr"/>
+              <a:endParaRPr lang="es-MX"/>
+            </a:p>
+          </p:txBody>
+        </p:sp>
+        <p:sp>
+          <p:nvSpPr>
+            <p:cNvPr id="4" name="Elipse 3">
+              <a:extLst>
+                <a:ext uri="{FF2B5EF4-FFF2-40B4-BE49-F238E27FC236}">
+                  <a16:creationId xmlns:a16="http://schemas.microsoft.com/office/drawing/2014/main" id="{FADD4BA8-5F2B-4027-B75A-BA357B81795F}"/>
+                </a:ext>
+              </a:extLst>
+            </p:cNvPr>
+            <p:cNvSpPr/>
+            <p:nvPr/>
+          </p:nvSpPr>
+          <p:spPr>
+            <a:xfrm>
+              <a:off x="7976890" y="3202206"/>
+              <a:ext cx="612000" cy="612000"/>
+            </a:xfrm>
+            <a:prstGeom prst="ellipse">
+              <a:avLst/>
+            </a:prstGeom>
+            <a:solidFill>
+              <a:schemeClr val="tx1"/>
+            </a:solidFill>
+            <a:ln>
+              <a:noFill/>
+            </a:ln>
+          </p:spPr>
+          <p:style>
+            <a:lnRef idx="2">
+              <a:schemeClr val="accent1">
+                <a:shade val="50000"/>
+              </a:schemeClr>
+            </a:lnRef>
+            <a:fillRef idx="1">
+              <a:schemeClr val="accent1"/>
+            </a:fillRef>
+            <a:effectRef idx="0">
+              <a:schemeClr val="accent1"/>
+            </a:effectRef>
+            <a:fontRef idx="minor">
+              <a:schemeClr val="lt1"/>
+            </a:fontRef>
+          </p:style>
+          <p:txBody>
+            <a:bodyPr rtlCol="0" anchor="ctr"/>
+            <a:lstStyle/>
+            <a:p>
+              <a:pPr algn="ctr"/>
+              <a:endParaRPr lang="es-MX"/>
+            </a:p>
+          </p:txBody>
+        </p:sp>
+        <p:sp>
+          <p:nvSpPr>
+            <p:cNvPr id="5" name="Elipse 4">
+              <a:extLst>
+                <a:ext uri="{FF2B5EF4-FFF2-40B4-BE49-F238E27FC236}">
+                  <a16:creationId xmlns:a16="http://schemas.microsoft.com/office/drawing/2014/main" id="{DC8B0068-1CDA-43EC-81F3-AB74B126AE1B}"/>
+                </a:ext>
+              </a:extLst>
+            </p:cNvPr>
+            <p:cNvSpPr/>
+            <p:nvPr/>
+          </p:nvSpPr>
+          <p:spPr>
+            <a:xfrm>
+              <a:off x="5800750" y="4327397"/>
+              <a:ext cx="612000" cy="612000"/>
+            </a:xfrm>
+            <a:prstGeom prst="ellipse">
+              <a:avLst/>
+            </a:prstGeom>
+            <a:solidFill>
+              <a:schemeClr val="tx1"/>
+            </a:solidFill>
+            <a:ln>
+              <a:noFill/>
+            </a:ln>
+          </p:spPr>
+          <p:style>
+            <a:lnRef idx="2">
+              <a:schemeClr val="accent1">
+                <a:shade val="50000"/>
+              </a:schemeClr>
+            </a:lnRef>
+            <a:fillRef idx="1">
+              <a:schemeClr val="accent1"/>
+            </a:fillRef>
+            <a:effectRef idx="0">
+              <a:schemeClr val="accent1"/>
+            </a:effectRef>
+            <a:fontRef idx="minor">
+              <a:schemeClr val="lt1"/>
+            </a:fontRef>
+          </p:style>
+          <p:txBody>
+            <a:bodyPr rtlCol="0" anchor="ctr"/>
+            <a:lstStyle/>
+            <a:p>
+              <a:pPr algn="ctr"/>
+              <a:endParaRPr lang="es-MX"/>
+            </a:p>
+          </p:txBody>
+        </p:sp>
+        <p:sp>
+          <p:nvSpPr>
+            <p:cNvPr id="6" name="Elipse 5">
+              <a:extLst>
+                <a:ext uri="{FF2B5EF4-FFF2-40B4-BE49-F238E27FC236}">
+                  <a16:creationId xmlns:a16="http://schemas.microsoft.com/office/drawing/2014/main" id="{7333B6AE-6C12-4C3B-A41A-17900E34C423}"/>
+                </a:ext>
+              </a:extLst>
+            </p:cNvPr>
+            <p:cNvSpPr/>
+            <p:nvPr/>
+          </p:nvSpPr>
+          <p:spPr>
+            <a:xfrm>
+              <a:off x="5800750" y="2344507"/>
+              <a:ext cx="612000" cy="612000"/>
+            </a:xfrm>
+            <a:prstGeom prst="ellipse">
+              <a:avLst/>
+            </a:prstGeom>
+            <a:solidFill>
+              <a:schemeClr val="tx1"/>
+            </a:solidFill>
+            <a:ln>
+              <a:noFill/>
+            </a:ln>
+          </p:spPr>
+          <p:style>
+            <a:lnRef idx="2">
+              <a:schemeClr val="accent1">
+                <a:shade val="50000"/>
+              </a:schemeClr>
+            </a:lnRef>
+            <a:fillRef idx="1">
+              <a:schemeClr val="accent1"/>
+            </a:fillRef>
+            <a:effectRef idx="0">
+              <a:schemeClr val="accent1"/>
+            </a:effectRef>
+            <a:fontRef idx="minor">
+              <a:schemeClr val="lt1"/>
+            </a:fontRef>
+          </p:style>
+          <p:txBody>
+            <a:bodyPr rtlCol="0" anchor="ctr"/>
+            <a:lstStyle/>
+            <a:p>
+              <a:pPr algn="ctr"/>
+              <a:endParaRPr lang="es-MX"/>
+            </a:p>
+          </p:txBody>
+        </p:sp>
+        <p:sp>
+          <p:nvSpPr>
+            <p:cNvPr id="7" name="Elipse 6">
+              <a:extLst>
+                <a:ext uri="{FF2B5EF4-FFF2-40B4-BE49-F238E27FC236}">
+                  <a16:creationId xmlns:a16="http://schemas.microsoft.com/office/drawing/2014/main" id="{9235F9C4-D302-4E68-8956-819E05E5F80C}"/>
+                </a:ext>
+              </a:extLst>
+            </p:cNvPr>
+            <p:cNvSpPr/>
+            <p:nvPr/>
+          </p:nvSpPr>
+          <p:spPr>
+            <a:xfrm>
+              <a:off x="3403003" y="4327397"/>
+              <a:ext cx="612000" cy="612000"/>
+            </a:xfrm>
+            <a:prstGeom prst="ellipse">
+              <a:avLst/>
+            </a:prstGeom>
+            <a:solidFill>
+              <a:schemeClr val="tx1"/>
+            </a:solidFill>
+            <a:ln>
+              <a:noFill/>
+            </a:ln>
+          </p:spPr>
+          <p:style>
+            <a:lnRef idx="2">
+              <a:schemeClr val="accent1">
+                <a:shade val="50000"/>
+              </a:schemeClr>
+            </a:lnRef>
+            <a:fillRef idx="1">
+              <a:schemeClr val="accent1"/>
+            </a:fillRef>
+            <a:effectRef idx="0">
+              <a:schemeClr val="accent1"/>
+            </a:effectRef>
+            <a:fontRef idx="minor">
+              <a:schemeClr val="lt1"/>
+            </a:fontRef>
+          </p:style>
+          <p:txBody>
+            <a:bodyPr rtlCol="0" anchor="ctr"/>
+            <a:lstStyle/>
+            <a:p>
+              <a:pPr algn="ctr"/>
+              <a:endParaRPr lang="es-MX"/>
+            </a:p>
+          </p:txBody>
+        </p:sp>
+        <p:cxnSp>
+          <p:nvCxnSpPr>
+            <p:cNvPr id="8" name="Conector recto 7">
+              <a:extLst>
+                <a:ext uri="{FF2B5EF4-FFF2-40B4-BE49-F238E27FC236}">
+                  <a16:creationId xmlns:a16="http://schemas.microsoft.com/office/drawing/2014/main" id="{889FCC04-B09E-43DB-9722-6BD213DE6B88}"/>
+                </a:ext>
+              </a:extLst>
+            </p:cNvPr>
+            <p:cNvCxnSpPr>
+              <a:cxnSpLocks/>
+              <a:stCxn id="3" idx="6"/>
+              <a:endCxn id="6" idx="2"/>
+            </p:cNvCxnSpPr>
+            <p:nvPr/>
+          </p:nvCxnSpPr>
+          <p:spPr>
+            <a:xfrm>
+              <a:off x="4015003" y="2650507"/>
+              <a:ext cx="1785747" cy="0"/>
+            </a:xfrm>
+            <a:prstGeom prst="line">
+              <a:avLst/>
+            </a:prstGeom>
+            <a:ln w="19050">
+              <a:solidFill>
+                <a:schemeClr val="tx1"/>
+              </a:solidFill>
+            </a:ln>
+          </p:spPr>
+          <p:style>
+            <a:lnRef idx="1">
+              <a:schemeClr val="accent1"/>
+            </a:lnRef>
+            <a:fillRef idx="0">
+              <a:schemeClr val="accent1"/>
+            </a:fillRef>
+            <a:effectRef idx="0">
+              <a:schemeClr val="accent1"/>
+            </a:effectRef>
+            <a:fontRef idx="minor">
+              <a:schemeClr val="tx1"/>
+            </a:fontRef>
+          </p:style>
+        </p:cxnSp>
+        <p:cxnSp>
+          <p:nvCxnSpPr>
+            <p:cNvPr id="9" name="Conector recto 8">
+              <a:extLst>
+                <a:ext uri="{FF2B5EF4-FFF2-40B4-BE49-F238E27FC236}">
+                  <a16:creationId xmlns:a16="http://schemas.microsoft.com/office/drawing/2014/main" id="{87200FE7-FAFD-42E5-A765-5BED62D0A19F}"/>
+                </a:ext>
+              </a:extLst>
+            </p:cNvPr>
+            <p:cNvCxnSpPr>
+              <a:cxnSpLocks/>
+              <a:stCxn id="6" idx="6"/>
+              <a:endCxn id="4" idx="2"/>
+            </p:cNvCxnSpPr>
+            <p:nvPr/>
+          </p:nvCxnSpPr>
+          <p:spPr>
+            <a:xfrm>
+              <a:off x="6412750" y="2650507"/>
+              <a:ext cx="1564140" cy="857699"/>
+            </a:xfrm>
+            <a:prstGeom prst="line">
+              <a:avLst/>
+            </a:prstGeom>
+            <a:ln w="19050">
+              <a:solidFill>
+                <a:schemeClr val="tx1"/>
+              </a:solidFill>
+            </a:ln>
+          </p:spPr>
+          <p:style>
+            <a:lnRef idx="1">
+              <a:schemeClr val="accent1"/>
+            </a:lnRef>
+            <a:fillRef idx="0">
+              <a:schemeClr val="accent1"/>
+            </a:fillRef>
+            <a:effectRef idx="0">
+              <a:schemeClr val="accent1"/>
+            </a:effectRef>
+            <a:fontRef idx="minor">
+              <a:schemeClr val="tx1"/>
+            </a:fontRef>
+          </p:style>
+        </p:cxnSp>
+        <p:cxnSp>
+          <p:nvCxnSpPr>
+            <p:cNvPr id="10" name="Conector recto 9">
+              <a:extLst>
+                <a:ext uri="{FF2B5EF4-FFF2-40B4-BE49-F238E27FC236}">
+                  <a16:creationId xmlns:a16="http://schemas.microsoft.com/office/drawing/2014/main" id="{D7FA331F-EBB8-497C-B133-19524BBC3173}"/>
+                </a:ext>
+              </a:extLst>
+            </p:cNvPr>
+            <p:cNvCxnSpPr>
+              <a:cxnSpLocks/>
+              <a:stCxn id="5" idx="6"/>
+              <a:endCxn id="4" idx="3"/>
+            </p:cNvCxnSpPr>
+            <p:nvPr/>
+          </p:nvCxnSpPr>
+          <p:spPr>
+            <a:xfrm flipV="1">
+              <a:off x="6412750" y="3724581"/>
+              <a:ext cx="1653765" cy="908816"/>
+            </a:xfrm>
+            <a:prstGeom prst="line">
+              <a:avLst/>
+            </a:prstGeom>
+            <a:ln w="19050">
+              <a:solidFill>
+                <a:schemeClr val="tx1"/>
+              </a:solidFill>
+            </a:ln>
+          </p:spPr>
+          <p:style>
+            <a:lnRef idx="1">
+              <a:schemeClr val="accent1"/>
+            </a:lnRef>
+            <a:fillRef idx="0">
+              <a:schemeClr val="accent1"/>
+            </a:fillRef>
+            <a:effectRef idx="0">
+              <a:schemeClr val="accent1"/>
+            </a:effectRef>
+            <a:fontRef idx="minor">
+              <a:schemeClr val="tx1"/>
+            </a:fontRef>
+          </p:style>
+        </p:cxnSp>
+        <p:cxnSp>
+          <p:nvCxnSpPr>
+            <p:cNvPr id="11" name="Conector recto 10">
+              <a:extLst>
+                <a:ext uri="{FF2B5EF4-FFF2-40B4-BE49-F238E27FC236}">
+                  <a16:creationId xmlns:a16="http://schemas.microsoft.com/office/drawing/2014/main" id="{70BF2562-B708-4EBD-8945-8B7519F177D6}"/>
+                </a:ext>
+              </a:extLst>
+            </p:cNvPr>
+            <p:cNvCxnSpPr>
+              <a:cxnSpLocks/>
+              <a:stCxn id="5" idx="2"/>
+              <a:endCxn id="7" idx="6"/>
+            </p:cNvCxnSpPr>
+            <p:nvPr/>
+          </p:nvCxnSpPr>
+          <p:spPr>
+            <a:xfrm flipH="1">
+              <a:off x="4015003" y="4633397"/>
+              <a:ext cx="1785747" cy="0"/>
+            </a:xfrm>
+            <a:prstGeom prst="line">
+              <a:avLst/>
+            </a:prstGeom>
+            <a:ln w="19050">
+              <a:solidFill>
+                <a:schemeClr val="tx1"/>
+              </a:solidFill>
+            </a:ln>
+          </p:spPr>
+          <p:style>
+            <a:lnRef idx="1">
+              <a:schemeClr val="accent1"/>
+            </a:lnRef>
+            <a:fillRef idx="0">
+              <a:schemeClr val="accent1"/>
+            </a:fillRef>
+            <a:effectRef idx="0">
+              <a:schemeClr val="accent1"/>
+            </a:effectRef>
+            <a:fontRef idx="minor">
+              <a:schemeClr val="tx1"/>
+            </a:fontRef>
+          </p:style>
+        </p:cxnSp>
+        <p:cxnSp>
+          <p:nvCxnSpPr>
+            <p:cNvPr id="12" name="Conector recto 11">
+              <a:extLst>
+                <a:ext uri="{FF2B5EF4-FFF2-40B4-BE49-F238E27FC236}">
+                  <a16:creationId xmlns:a16="http://schemas.microsoft.com/office/drawing/2014/main" id="{B5FDC622-FD88-4E95-9EA3-2E1EE75E5F43}"/>
+                </a:ext>
+              </a:extLst>
+            </p:cNvPr>
+            <p:cNvCxnSpPr>
+              <a:cxnSpLocks/>
+              <a:stCxn id="7" idx="0"/>
+              <a:endCxn id="3" idx="4"/>
+            </p:cNvCxnSpPr>
+            <p:nvPr/>
+          </p:nvCxnSpPr>
+          <p:spPr>
+            <a:xfrm flipV="1">
+              <a:off x="3709003" y="2956507"/>
+              <a:ext cx="0" cy="1370890"/>
+            </a:xfrm>
+            <a:prstGeom prst="line">
+              <a:avLst/>
+            </a:prstGeom>
+            <a:ln w="19050">
+              <a:solidFill>
+                <a:schemeClr val="tx1"/>
+              </a:solidFill>
+            </a:ln>
+          </p:spPr>
+          <p:style>
+            <a:lnRef idx="1">
+              <a:schemeClr val="accent1"/>
+            </a:lnRef>
+            <a:fillRef idx="0">
+              <a:schemeClr val="accent1"/>
+            </a:fillRef>
+            <a:effectRef idx="0">
+              <a:schemeClr val="accent1"/>
+            </a:effectRef>
+            <a:fontRef idx="minor">
+              <a:schemeClr val="tx1"/>
+            </a:fontRef>
+          </p:style>
+        </p:cxnSp>
+        <p:cxnSp>
+          <p:nvCxnSpPr>
+            <p:cNvPr id="13" name="Conector recto 12">
+              <a:extLst>
+                <a:ext uri="{FF2B5EF4-FFF2-40B4-BE49-F238E27FC236}">
+                  <a16:creationId xmlns:a16="http://schemas.microsoft.com/office/drawing/2014/main" id="{AF3E891E-915E-4F22-9D91-3C0CFD4E23B3}"/>
+                </a:ext>
+              </a:extLst>
+            </p:cNvPr>
+            <p:cNvCxnSpPr>
+              <a:cxnSpLocks/>
+              <a:stCxn id="7" idx="2"/>
+            </p:cNvCxnSpPr>
+            <p:nvPr/>
+          </p:nvCxnSpPr>
+          <p:spPr>
+            <a:xfrm flipH="1" flipV="1">
+              <a:off x="2416550" y="3684981"/>
+              <a:ext cx="986453" cy="948416"/>
+            </a:xfrm>
+            <a:prstGeom prst="line">
+              <a:avLst/>
+            </a:prstGeom>
+            <a:ln w="19050">
+              <a:solidFill>
+                <a:schemeClr val="tx1"/>
+              </a:solidFill>
+            </a:ln>
+          </p:spPr>
+          <p:style>
+            <a:lnRef idx="1">
+              <a:schemeClr val="accent1"/>
+            </a:lnRef>
+            <a:fillRef idx="0">
+              <a:schemeClr val="accent1"/>
+            </a:fillRef>
+            <a:effectRef idx="0">
+              <a:schemeClr val="accent1"/>
+            </a:effectRef>
+            <a:fontRef idx="minor">
+              <a:schemeClr val="tx1"/>
+            </a:fontRef>
+          </p:style>
+        </p:cxnSp>
+        <p:cxnSp>
+          <p:nvCxnSpPr>
+            <p:cNvPr id="15" name="Conector recto 14">
+              <a:extLst>
+                <a:ext uri="{FF2B5EF4-FFF2-40B4-BE49-F238E27FC236}">
+                  <a16:creationId xmlns:a16="http://schemas.microsoft.com/office/drawing/2014/main" id="{0BCBABD2-2D82-4E79-B4F0-A8BEA9FB6637}"/>
+                </a:ext>
+              </a:extLst>
+            </p:cNvPr>
+            <p:cNvCxnSpPr>
+              <a:cxnSpLocks/>
+              <a:stCxn id="18" idx="7"/>
+              <a:endCxn id="3" idx="2"/>
+            </p:cNvCxnSpPr>
+            <p:nvPr/>
+          </p:nvCxnSpPr>
+          <p:spPr>
+            <a:xfrm flipV="1">
+              <a:off x="2516960" y="2650507"/>
+              <a:ext cx="886043" cy="641324"/>
+            </a:xfrm>
+            <a:prstGeom prst="line">
+              <a:avLst/>
+            </a:prstGeom>
+            <a:ln w="19050">
+              <a:solidFill>
+                <a:schemeClr val="tx1"/>
+              </a:solidFill>
+            </a:ln>
+          </p:spPr>
+          <p:style>
+            <a:lnRef idx="1">
+              <a:schemeClr val="accent1"/>
+            </a:lnRef>
+            <a:fillRef idx="0">
+              <a:schemeClr val="accent1"/>
+            </a:fillRef>
+            <a:effectRef idx="0">
+              <a:schemeClr val="accent1"/>
+            </a:effectRef>
+            <a:fontRef idx="minor">
+              <a:schemeClr val="tx1"/>
+            </a:fontRef>
+          </p:style>
+        </p:cxnSp>
+        <p:cxnSp>
+          <p:nvCxnSpPr>
+            <p:cNvPr id="17" name="Conector recto 16">
+              <a:extLst>
+                <a:ext uri="{FF2B5EF4-FFF2-40B4-BE49-F238E27FC236}">
+                  <a16:creationId xmlns:a16="http://schemas.microsoft.com/office/drawing/2014/main" id="{64926932-CF94-4691-845F-E9953E2F6A2E}"/>
+                </a:ext>
+              </a:extLst>
+            </p:cNvPr>
+            <p:cNvCxnSpPr>
+              <a:cxnSpLocks/>
+              <a:stCxn id="5" idx="0"/>
+              <a:endCxn id="6" idx="4"/>
+            </p:cNvCxnSpPr>
+            <p:nvPr/>
+          </p:nvCxnSpPr>
+          <p:spPr>
+            <a:xfrm flipV="1">
+              <a:off x="6106750" y="2956507"/>
+              <a:ext cx="0" cy="1370890"/>
+            </a:xfrm>
+            <a:prstGeom prst="line">
+              <a:avLst/>
+            </a:prstGeom>
+            <a:ln w="19050">
+              <a:solidFill>
+                <a:schemeClr val="tx1"/>
+              </a:solidFill>
+            </a:ln>
+          </p:spPr>
+          <p:style>
+            <a:lnRef idx="1">
+              <a:schemeClr val="accent1"/>
+            </a:lnRef>
+            <a:fillRef idx="0">
+              <a:schemeClr val="accent1"/>
+            </a:fillRef>
+            <a:effectRef idx="0">
+              <a:schemeClr val="accent1"/>
+            </a:effectRef>
+            <a:fontRef idx="minor">
+              <a:schemeClr val="tx1"/>
+            </a:fontRef>
+          </p:style>
+        </p:cxnSp>
+        <p:sp>
+          <p:nvSpPr>
+            <p:cNvPr id="18" name="Elipse 17">
+              <a:extLst>
+                <a:ext uri="{FF2B5EF4-FFF2-40B4-BE49-F238E27FC236}">
+                  <a16:creationId xmlns:a16="http://schemas.microsoft.com/office/drawing/2014/main" id="{90413FBD-D957-4C3D-A8AF-E6AC93B0213E}"/>
+                </a:ext>
+              </a:extLst>
+            </p:cNvPr>
+            <p:cNvSpPr/>
+            <p:nvPr/>
+          </p:nvSpPr>
+          <p:spPr>
+            <a:xfrm>
+              <a:off x="1994585" y="3202206"/>
+              <a:ext cx="612000" cy="612000"/>
+            </a:xfrm>
+            <a:prstGeom prst="ellipse">
+              <a:avLst/>
+            </a:prstGeom>
+            <a:solidFill>
+              <a:schemeClr val="tx1"/>
+            </a:solidFill>
+            <a:ln>
+              <a:noFill/>
+            </a:ln>
+          </p:spPr>
+          <p:style>
+            <a:lnRef idx="2">
+              <a:schemeClr val="accent1">
+                <a:shade val="50000"/>
+              </a:schemeClr>
+            </a:lnRef>
+            <a:fillRef idx="1">
+              <a:schemeClr val="accent1"/>
+            </a:fillRef>
+            <a:effectRef idx="0">
+              <a:schemeClr val="accent1"/>
+            </a:effectRef>
+            <a:fontRef idx="minor">
+              <a:schemeClr val="lt1"/>
+            </a:fontRef>
+          </p:style>
+          <p:txBody>
+            <a:bodyPr rtlCol="0" anchor="ctr"/>
+            <a:lstStyle/>
+            <a:p>
+              <a:pPr algn="ctr"/>
+              <a:endParaRPr lang="es-MX"/>
+            </a:p>
+          </p:txBody>
+        </p:sp>
+      </p:grpSp>
+      <p:cxnSp>
+        <p:nvCxnSpPr>
+          <p:cNvPr id="35" name="Conector recto 34">
+            <a:extLst>
+              <a:ext uri="{FF2B5EF4-FFF2-40B4-BE49-F238E27FC236}">
+                <a16:creationId xmlns:a16="http://schemas.microsoft.com/office/drawing/2014/main" id="{14F3C432-52F1-44C8-82A9-610D5AAF1BC7}"/>
+              </a:ext>
+            </a:extLst>
+          </p:cNvPr>
+          <p:cNvCxnSpPr/>
+          <p:nvPr/>
+        </p:nvCxnSpPr>
+        <p:spPr>
+          <a:xfrm>
+            <a:off x="5086350" y="1504950"/>
+            <a:ext cx="1866925" cy="3676650"/>
+          </a:xfrm>
+          <a:prstGeom prst="line">
+            <a:avLst/>
+          </a:prstGeom>
+          <a:ln w="76200">
+            <a:solidFill>
+              <a:srgbClr val="FF0000"/>
+            </a:solidFill>
+            <a:prstDash val="dash"/>
+          </a:ln>
+        </p:spPr>
+        <p:style>
+          <a:lnRef idx="1">
+            <a:schemeClr val="accent1"/>
+          </a:lnRef>
+          <a:fillRef idx="0">
+            <a:schemeClr val="accent1"/>
+          </a:fillRef>
+          <a:effectRef idx="0">
+            <a:schemeClr val="accent1"/>
+          </a:effectRef>
+          <a:fontRef idx="minor">
+            <a:schemeClr val="tx1"/>
+          </a:fontRef>
+        </p:style>
+      </p:cxnSp>
+    </p:spTree>
+    <p:extLst>
+      <p:ext uri="{BB962C8B-B14F-4D97-AF65-F5344CB8AC3E}">
+        <p14:creationId xmlns:p14="http://schemas.microsoft.com/office/powerpoint/2010/main" val="2895403851"/>
       </p:ext>
     </p:extLst>
   </p:cSld>

--- a/presentaciones/Figuras.pptx
+++ b/presentaciones/Figuras.pptx
@@ -15,6 +15,10 @@
     <p:sldId id="262" r:id="rId9"/>
     <p:sldId id="264" r:id="rId10"/>
     <p:sldId id="265" r:id="rId11"/>
+    <p:sldId id="266" r:id="rId12"/>
+    <p:sldId id="267" r:id="rId13"/>
+    <p:sldId id="268" r:id="rId14"/>
+    <p:sldId id="269" r:id="rId15"/>
   </p:sldIdLst>
   <p:sldSz cx="12192000" cy="6858000"/>
   <p:notesSz cx="6858000" cy="9144000"/>
@@ -121,6 +125,18 @@
 </p:presentation>
 </file>
 
+<file path=ppt/commentAuthors.xml><?xml version="1.0" encoding="utf-8"?>
+<p:cmAuthorLst xmlns:a="http://schemas.openxmlformats.org/drawingml/2006/main" xmlns:r="http://schemas.openxmlformats.org/officeDocument/2006/relationships" xmlns:p="http://schemas.openxmlformats.org/presentationml/2006/main">
+  <p:cmAuthor id="1" name="sofia de la mora" initials="sdlm" lastIdx="1" clrIdx="0">
+    <p:extLst>
+      <p:ext uri="{19B8F6BF-5375-455C-9EA6-DF929625EA0E}">
+        <p15:presenceInfo xmlns:p15="http://schemas.microsoft.com/office/powerpoint/2012/main" userId="5b0d2245d86c3b0a" providerId="Windows Live"/>
+      </p:ext>
+    </p:extLst>
+  </p:cmAuthor>
+</p:cmAuthorLst>
+</file>
+
 <file path=ppt/slideLayouts/slideLayout1.xml><?xml version="1.0" encoding="utf-8"?>
 <p:sldLayout xmlns:a="http://schemas.openxmlformats.org/drawingml/2006/main" xmlns:r="http://schemas.openxmlformats.org/officeDocument/2006/relationships" xmlns:p="http://schemas.openxmlformats.org/presentationml/2006/main" type="title" preserve="1">
   <p:cSld name="Diapositiva de título">
@@ -270,7 +286,7 @@
           <a:p>
             <a:fld id="{CA1E5725-B663-4950-A947-154B4CFC5EBF}" type="datetimeFigureOut">
               <a:rPr lang="es-MX" smtClean="0"/>
-              <a:t>29/01/2021</a:t>
+              <a:t>03/02/2021</a:t>
             </a:fld>
             <a:endParaRPr lang="es-MX"/>
           </a:p>
@@ -470,7 +486,7 @@
           <a:p>
             <a:fld id="{CA1E5725-B663-4950-A947-154B4CFC5EBF}" type="datetimeFigureOut">
               <a:rPr lang="es-MX" smtClean="0"/>
-              <a:t>29/01/2021</a:t>
+              <a:t>03/02/2021</a:t>
             </a:fld>
             <a:endParaRPr lang="es-MX"/>
           </a:p>
@@ -680,7 +696,7 @@
           <a:p>
             <a:fld id="{CA1E5725-B663-4950-A947-154B4CFC5EBF}" type="datetimeFigureOut">
               <a:rPr lang="es-MX" smtClean="0"/>
-              <a:t>29/01/2021</a:t>
+              <a:t>03/02/2021</a:t>
             </a:fld>
             <a:endParaRPr lang="es-MX"/>
           </a:p>
@@ -880,7 +896,7 @@
           <a:p>
             <a:fld id="{CA1E5725-B663-4950-A947-154B4CFC5EBF}" type="datetimeFigureOut">
               <a:rPr lang="es-MX" smtClean="0"/>
-              <a:t>29/01/2021</a:t>
+              <a:t>03/02/2021</a:t>
             </a:fld>
             <a:endParaRPr lang="es-MX"/>
           </a:p>
@@ -1156,7 +1172,7 @@
           <a:p>
             <a:fld id="{CA1E5725-B663-4950-A947-154B4CFC5EBF}" type="datetimeFigureOut">
               <a:rPr lang="es-MX" smtClean="0"/>
-              <a:t>29/01/2021</a:t>
+              <a:t>03/02/2021</a:t>
             </a:fld>
             <a:endParaRPr lang="es-MX"/>
           </a:p>
@@ -1424,7 +1440,7 @@
           <a:p>
             <a:fld id="{CA1E5725-B663-4950-A947-154B4CFC5EBF}" type="datetimeFigureOut">
               <a:rPr lang="es-MX" smtClean="0"/>
-              <a:t>29/01/2021</a:t>
+              <a:t>03/02/2021</a:t>
             </a:fld>
             <a:endParaRPr lang="es-MX"/>
           </a:p>
@@ -1839,7 +1855,7 @@
           <a:p>
             <a:fld id="{CA1E5725-B663-4950-A947-154B4CFC5EBF}" type="datetimeFigureOut">
               <a:rPr lang="es-MX" smtClean="0"/>
-              <a:t>29/01/2021</a:t>
+              <a:t>03/02/2021</a:t>
             </a:fld>
             <a:endParaRPr lang="es-MX"/>
           </a:p>
@@ -1981,7 +1997,7 @@
           <a:p>
             <a:fld id="{CA1E5725-B663-4950-A947-154B4CFC5EBF}" type="datetimeFigureOut">
               <a:rPr lang="es-MX" smtClean="0"/>
-              <a:t>29/01/2021</a:t>
+              <a:t>03/02/2021</a:t>
             </a:fld>
             <a:endParaRPr lang="es-MX"/>
           </a:p>
@@ -2094,7 +2110,7 @@
           <a:p>
             <a:fld id="{CA1E5725-B663-4950-A947-154B4CFC5EBF}" type="datetimeFigureOut">
               <a:rPr lang="es-MX" smtClean="0"/>
-              <a:t>29/01/2021</a:t>
+              <a:t>03/02/2021</a:t>
             </a:fld>
             <a:endParaRPr lang="es-MX"/>
           </a:p>
@@ -2407,7 +2423,7 @@
           <a:p>
             <a:fld id="{CA1E5725-B663-4950-A947-154B4CFC5EBF}" type="datetimeFigureOut">
               <a:rPr lang="es-MX" smtClean="0"/>
-              <a:t>29/01/2021</a:t>
+              <a:t>03/02/2021</a:t>
             </a:fld>
             <a:endParaRPr lang="es-MX"/>
           </a:p>
@@ -2696,7 +2712,7 @@
           <a:p>
             <a:fld id="{CA1E5725-B663-4950-A947-154B4CFC5EBF}" type="datetimeFigureOut">
               <a:rPr lang="es-MX" smtClean="0"/>
-              <a:t>29/01/2021</a:t>
+              <a:t>03/02/2021</a:t>
             </a:fld>
             <a:endParaRPr lang="es-MX"/>
           </a:p>
@@ -2939,7 +2955,7 @@
           <a:p>
             <a:fld id="{CA1E5725-B663-4950-A947-154B4CFC5EBF}" type="datetimeFigureOut">
               <a:rPr lang="es-MX" smtClean="0"/>
-              <a:t>29/01/2021</a:t>
+              <a:t>03/02/2021</a:t>
             </a:fld>
             <a:endParaRPr lang="es-MX"/>
           </a:p>
@@ -4926,6 +4942,3921 @@
 </p:sld>
 </file>
 
+<file path=ppt/slides/slide11.xml><?xml version="1.0" encoding="utf-8"?>
+<p:sld xmlns:a="http://schemas.openxmlformats.org/drawingml/2006/main" xmlns:r="http://schemas.openxmlformats.org/officeDocument/2006/relationships" xmlns:p="http://schemas.openxmlformats.org/presentationml/2006/main">
+  <p:cSld>
+    <p:spTree>
+      <p:nvGrpSpPr>
+        <p:cNvPr id="1" name=""/>
+        <p:cNvGrpSpPr/>
+        <p:nvPr/>
+      </p:nvGrpSpPr>
+      <p:grpSpPr>
+        <a:xfrm>
+          <a:off x="0" y="0"/>
+          <a:ext cx="0" cy="0"/>
+          <a:chOff x="0" y="0"/>
+          <a:chExt cx="0" cy="0"/>
+        </a:xfrm>
+      </p:grpSpPr>
+      <p:grpSp>
+        <p:nvGrpSpPr>
+          <p:cNvPr id="2" name="Grupo 1">
+            <a:extLst>
+              <a:ext uri="{FF2B5EF4-FFF2-40B4-BE49-F238E27FC236}">
+                <a16:creationId xmlns:a16="http://schemas.microsoft.com/office/drawing/2014/main" id="{77BBA23E-B65C-4132-AA9B-9428E84F1FAA}"/>
+              </a:ext>
+            </a:extLst>
+          </p:cNvPr>
+          <p:cNvGrpSpPr/>
+          <p:nvPr/>
+        </p:nvGrpSpPr>
+        <p:grpSpPr>
+          <a:xfrm>
+            <a:off x="3147110" y="1934932"/>
+            <a:ext cx="6594305" cy="2594890"/>
+            <a:chOff x="1994585" y="2344507"/>
+            <a:chExt cx="6594305" cy="2594890"/>
+          </a:xfrm>
+        </p:grpSpPr>
+        <p:sp>
+          <p:nvSpPr>
+            <p:cNvPr id="3" name="Elipse 2">
+              <a:extLst>
+                <a:ext uri="{FF2B5EF4-FFF2-40B4-BE49-F238E27FC236}">
+                  <a16:creationId xmlns:a16="http://schemas.microsoft.com/office/drawing/2014/main" id="{FB36CD99-BAFE-4F91-96AA-40388F288976}"/>
+                </a:ext>
+              </a:extLst>
+            </p:cNvPr>
+            <p:cNvSpPr/>
+            <p:nvPr/>
+          </p:nvSpPr>
+          <p:spPr>
+            <a:xfrm>
+              <a:off x="3403003" y="2344507"/>
+              <a:ext cx="612000" cy="612000"/>
+            </a:xfrm>
+            <a:prstGeom prst="ellipse">
+              <a:avLst/>
+            </a:prstGeom>
+            <a:solidFill>
+              <a:schemeClr val="tx1"/>
+            </a:solidFill>
+            <a:ln>
+              <a:noFill/>
+            </a:ln>
+          </p:spPr>
+          <p:style>
+            <a:lnRef idx="2">
+              <a:schemeClr val="accent1">
+                <a:shade val="50000"/>
+              </a:schemeClr>
+            </a:lnRef>
+            <a:fillRef idx="1">
+              <a:schemeClr val="accent1"/>
+            </a:fillRef>
+            <a:effectRef idx="0">
+              <a:schemeClr val="accent1"/>
+            </a:effectRef>
+            <a:fontRef idx="minor">
+              <a:schemeClr val="lt1"/>
+            </a:fontRef>
+          </p:style>
+          <p:txBody>
+            <a:bodyPr rtlCol="0" anchor="ctr"/>
+            <a:lstStyle/>
+            <a:p>
+              <a:pPr algn="ctr"/>
+              <a:endParaRPr lang="es-MX"/>
+            </a:p>
+          </p:txBody>
+        </p:sp>
+        <p:sp>
+          <p:nvSpPr>
+            <p:cNvPr id="4" name="Elipse 3">
+              <a:extLst>
+                <a:ext uri="{FF2B5EF4-FFF2-40B4-BE49-F238E27FC236}">
+                  <a16:creationId xmlns:a16="http://schemas.microsoft.com/office/drawing/2014/main" id="{379E8D32-C285-4C0A-8A3D-5D7CB071FCC6}"/>
+                </a:ext>
+              </a:extLst>
+            </p:cNvPr>
+            <p:cNvSpPr/>
+            <p:nvPr/>
+          </p:nvSpPr>
+          <p:spPr>
+            <a:xfrm>
+              <a:off x="7976890" y="3202206"/>
+              <a:ext cx="612000" cy="612000"/>
+            </a:xfrm>
+            <a:prstGeom prst="ellipse">
+              <a:avLst/>
+            </a:prstGeom>
+            <a:solidFill>
+              <a:schemeClr val="tx1"/>
+            </a:solidFill>
+            <a:ln>
+              <a:noFill/>
+            </a:ln>
+          </p:spPr>
+          <p:style>
+            <a:lnRef idx="2">
+              <a:schemeClr val="accent1">
+                <a:shade val="50000"/>
+              </a:schemeClr>
+            </a:lnRef>
+            <a:fillRef idx="1">
+              <a:schemeClr val="accent1"/>
+            </a:fillRef>
+            <a:effectRef idx="0">
+              <a:schemeClr val="accent1"/>
+            </a:effectRef>
+            <a:fontRef idx="minor">
+              <a:schemeClr val="lt1"/>
+            </a:fontRef>
+          </p:style>
+          <p:txBody>
+            <a:bodyPr rtlCol="0" anchor="ctr"/>
+            <a:lstStyle/>
+            <a:p>
+              <a:pPr algn="ctr"/>
+              <a:endParaRPr lang="es-MX"/>
+            </a:p>
+          </p:txBody>
+        </p:sp>
+        <p:sp>
+          <p:nvSpPr>
+            <p:cNvPr id="5" name="Elipse 4">
+              <a:extLst>
+                <a:ext uri="{FF2B5EF4-FFF2-40B4-BE49-F238E27FC236}">
+                  <a16:creationId xmlns:a16="http://schemas.microsoft.com/office/drawing/2014/main" id="{EBE406DD-3B6B-4C3B-BB45-AE8D596A12EC}"/>
+                </a:ext>
+              </a:extLst>
+            </p:cNvPr>
+            <p:cNvSpPr/>
+            <p:nvPr/>
+          </p:nvSpPr>
+          <p:spPr>
+            <a:xfrm>
+              <a:off x="5800750" y="4327397"/>
+              <a:ext cx="612000" cy="612000"/>
+            </a:xfrm>
+            <a:prstGeom prst="ellipse">
+              <a:avLst/>
+            </a:prstGeom>
+            <a:solidFill>
+              <a:schemeClr val="tx1"/>
+            </a:solidFill>
+            <a:ln>
+              <a:noFill/>
+            </a:ln>
+          </p:spPr>
+          <p:style>
+            <a:lnRef idx="2">
+              <a:schemeClr val="accent1">
+                <a:shade val="50000"/>
+              </a:schemeClr>
+            </a:lnRef>
+            <a:fillRef idx="1">
+              <a:schemeClr val="accent1"/>
+            </a:fillRef>
+            <a:effectRef idx="0">
+              <a:schemeClr val="accent1"/>
+            </a:effectRef>
+            <a:fontRef idx="minor">
+              <a:schemeClr val="lt1"/>
+            </a:fontRef>
+          </p:style>
+          <p:txBody>
+            <a:bodyPr rtlCol="0" anchor="ctr"/>
+            <a:lstStyle/>
+            <a:p>
+              <a:pPr algn="ctr"/>
+              <a:endParaRPr lang="es-MX"/>
+            </a:p>
+          </p:txBody>
+        </p:sp>
+        <p:sp>
+          <p:nvSpPr>
+            <p:cNvPr id="6" name="Elipse 5">
+              <a:extLst>
+                <a:ext uri="{FF2B5EF4-FFF2-40B4-BE49-F238E27FC236}">
+                  <a16:creationId xmlns:a16="http://schemas.microsoft.com/office/drawing/2014/main" id="{077DC8F7-6CB5-4382-BACC-842E69BE763F}"/>
+                </a:ext>
+              </a:extLst>
+            </p:cNvPr>
+            <p:cNvSpPr/>
+            <p:nvPr/>
+          </p:nvSpPr>
+          <p:spPr>
+            <a:xfrm>
+              <a:off x="5800750" y="2344507"/>
+              <a:ext cx="612000" cy="612000"/>
+            </a:xfrm>
+            <a:prstGeom prst="ellipse">
+              <a:avLst/>
+            </a:prstGeom>
+            <a:solidFill>
+              <a:schemeClr val="tx1"/>
+            </a:solidFill>
+            <a:ln>
+              <a:noFill/>
+            </a:ln>
+          </p:spPr>
+          <p:style>
+            <a:lnRef idx="2">
+              <a:schemeClr val="accent1">
+                <a:shade val="50000"/>
+              </a:schemeClr>
+            </a:lnRef>
+            <a:fillRef idx="1">
+              <a:schemeClr val="accent1"/>
+            </a:fillRef>
+            <a:effectRef idx="0">
+              <a:schemeClr val="accent1"/>
+            </a:effectRef>
+            <a:fontRef idx="minor">
+              <a:schemeClr val="lt1"/>
+            </a:fontRef>
+          </p:style>
+          <p:txBody>
+            <a:bodyPr rtlCol="0" anchor="ctr"/>
+            <a:lstStyle/>
+            <a:p>
+              <a:pPr algn="ctr"/>
+              <a:endParaRPr lang="es-MX"/>
+            </a:p>
+          </p:txBody>
+        </p:sp>
+        <p:sp>
+          <p:nvSpPr>
+            <p:cNvPr id="7" name="Elipse 6">
+              <a:extLst>
+                <a:ext uri="{FF2B5EF4-FFF2-40B4-BE49-F238E27FC236}">
+                  <a16:creationId xmlns:a16="http://schemas.microsoft.com/office/drawing/2014/main" id="{7CFC99F9-DDB3-4A33-B725-657B9CE9D113}"/>
+                </a:ext>
+              </a:extLst>
+            </p:cNvPr>
+            <p:cNvSpPr/>
+            <p:nvPr/>
+          </p:nvSpPr>
+          <p:spPr>
+            <a:xfrm>
+              <a:off x="3403003" y="4327397"/>
+              <a:ext cx="612000" cy="612000"/>
+            </a:xfrm>
+            <a:prstGeom prst="ellipse">
+              <a:avLst/>
+            </a:prstGeom>
+            <a:solidFill>
+              <a:schemeClr val="tx1"/>
+            </a:solidFill>
+            <a:ln>
+              <a:noFill/>
+            </a:ln>
+          </p:spPr>
+          <p:style>
+            <a:lnRef idx="2">
+              <a:schemeClr val="accent1">
+                <a:shade val="50000"/>
+              </a:schemeClr>
+            </a:lnRef>
+            <a:fillRef idx="1">
+              <a:schemeClr val="accent1"/>
+            </a:fillRef>
+            <a:effectRef idx="0">
+              <a:schemeClr val="accent1"/>
+            </a:effectRef>
+            <a:fontRef idx="minor">
+              <a:schemeClr val="lt1"/>
+            </a:fontRef>
+          </p:style>
+          <p:txBody>
+            <a:bodyPr rtlCol="0" anchor="ctr"/>
+            <a:lstStyle/>
+            <a:p>
+              <a:pPr algn="ctr"/>
+              <a:endParaRPr lang="es-MX"/>
+            </a:p>
+          </p:txBody>
+        </p:sp>
+        <p:cxnSp>
+          <p:nvCxnSpPr>
+            <p:cNvPr id="8" name="Conector recto 7">
+              <a:extLst>
+                <a:ext uri="{FF2B5EF4-FFF2-40B4-BE49-F238E27FC236}">
+                  <a16:creationId xmlns:a16="http://schemas.microsoft.com/office/drawing/2014/main" id="{A3274EB5-D1A4-4984-95A9-3DCCF886ABB2}"/>
+                </a:ext>
+              </a:extLst>
+            </p:cNvPr>
+            <p:cNvCxnSpPr>
+              <a:cxnSpLocks/>
+              <a:stCxn id="3" idx="6"/>
+              <a:endCxn id="6" idx="2"/>
+            </p:cNvCxnSpPr>
+            <p:nvPr/>
+          </p:nvCxnSpPr>
+          <p:spPr>
+            <a:xfrm>
+              <a:off x="4015003" y="2650507"/>
+              <a:ext cx="1785747" cy="0"/>
+            </a:xfrm>
+            <a:prstGeom prst="line">
+              <a:avLst/>
+            </a:prstGeom>
+            <a:ln w="19050">
+              <a:solidFill>
+                <a:schemeClr val="tx1"/>
+              </a:solidFill>
+            </a:ln>
+          </p:spPr>
+          <p:style>
+            <a:lnRef idx="1">
+              <a:schemeClr val="accent1"/>
+            </a:lnRef>
+            <a:fillRef idx="0">
+              <a:schemeClr val="accent1"/>
+            </a:fillRef>
+            <a:effectRef idx="0">
+              <a:schemeClr val="accent1"/>
+            </a:effectRef>
+            <a:fontRef idx="minor">
+              <a:schemeClr val="tx1"/>
+            </a:fontRef>
+          </p:style>
+        </p:cxnSp>
+        <p:cxnSp>
+          <p:nvCxnSpPr>
+            <p:cNvPr id="9" name="Conector recto 8">
+              <a:extLst>
+                <a:ext uri="{FF2B5EF4-FFF2-40B4-BE49-F238E27FC236}">
+                  <a16:creationId xmlns:a16="http://schemas.microsoft.com/office/drawing/2014/main" id="{E11F6E97-A2CF-4C85-8501-DD5DB5A5958B}"/>
+                </a:ext>
+              </a:extLst>
+            </p:cNvPr>
+            <p:cNvCxnSpPr>
+              <a:cxnSpLocks/>
+              <a:stCxn id="6" idx="6"/>
+              <a:endCxn id="4" idx="2"/>
+            </p:cNvCxnSpPr>
+            <p:nvPr/>
+          </p:nvCxnSpPr>
+          <p:spPr>
+            <a:xfrm>
+              <a:off x="6412750" y="2650507"/>
+              <a:ext cx="1564140" cy="857699"/>
+            </a:xfrm>
+            <a:prstGeom prst="line">
+              <a:avLst/>
+            </a:prstGeom>
+            <a:ln w="19050">
+              <a:solidFill>
+                <a:schemeClr val="tx1"/>
+              </a:solidFill>
+            </a:ln>
+          </p:spPr>
+          <p:style>
+            <a:lnRef idx="1">
+              <a:schemeClr val="accent1"/>
+            </a:lnRef>
+            <a:fillRef idx="0">
+              <a:schemeClr val="accent1"/>
+            </a:fillRef>
+            <a:effectRef idx="0">
+              <a:schemeClr val="accent1"/>
+            </a:effectRef>
+            <a:fontRef idx="minor">
+              <a:schemeClr val="tx1"/>
+            </a:fontRef>
+          </p:style>
+        </p:cxnSp>
+        <p:cxnSp>
+          <p:nvCxnSpPr>
+            <p:cNvPr id="10" name="Conector recto 9">
+              <a:extLst>
+                <a:ext uri="{FF2B5EF4-FFF2-40B4-BE49-F238E27FC236}">
+                  <a16:creationId xmlns:a16="http://schemas.microsoft.com/office/drawing/2014/main" id="{11614436-DED6-4484-8C98-AEAF35C3022D}"/>
+                </a:ext>
+              </a:extLst>
+            </p:cNvPr>
+            <p:cNvCxnSpPr>
+              <a:cxnSpLocks/>
+              <a:stCxn id="5" idx="6"/>
+              <a:endCxn id="4" idx="3"/>
+            </p:cNvCxnSpPr>
+            <p:nvPr/>
+          </p:nvCxnSpPr>
+          <p:spPr>
+            <a:xfrm flipV="1">
+              <a:off x="6412750" y="3724581"/>
+              <a:ext cx="1653765" cy="908816"/>
+            </a:xfrm>
+            <a:prstGeom prst="line">
+              <a:avLst/>
+            </a:prstGeom>
+            <a:ln w="19050">
+              <a:solidFill>
+                <a:schemeClr val="tx1"/>
+              </a:solidFill>
+            </a:ln>
+          </p:spPr>
+          <p:style>
+            <a:lnRef idx="1">
+              <a:schemeClr val="accent1"/>
+            </a:lnRef>
+            <a:fillRef idx="0">
+              <a:schemeClr val="accent1"/>
+            </a:fillRef>
+            <a:effectRef idx="0">
+              <a:schemeClr val="accent1"/>
+            </a:effectRef>
+            <a:fontRef idx="minor">
+              <a:schemeClr val="tx1"/>
+            </a:fontRef>
+          </p:style>
+        </p:cxnSp>
+        <p:cxnSp>
+          <p:nvCxnSpPr>
+            <p:cNvPr id="11" name="Conector recto 10">
+              <a:extLst>
+                <a:ext uri="{FF2B5EF4-FFF2-40B4-BE49-F238E27FC236}">
+                  <a16:creationId xmlns:a16="http://schemas.microsoft.com/office/drawing/2014/main" id="{404DE6A9-8147-49D3-B011-79BD44FDB43C}"/>
+                </a:ext>
+              </a:extLst>
+            </p:cNvPr>
+            <p:cNvCxnSpPr>
+              <a:cxnSpLocks/>
+              <a:stCxn id="5" idx="2"/>
+              <a:endCxn id="7" idx="6"/>
+            </p:cNvCxnSpPr>
+            <p:nvPr/>
+          </p:nvCxnSpPr>
+          <p:spPr>
+            <a:xfrm flipH="1">
+              <a:off x="4015003" y="4633397"/>
+              <a:ext cx="1785747" cy="0"/>
+            </a:xfrm>
+            <a:prstGeom prst="line">
+              <a:avLst/>
+            </a:prstGeom>
+            <a:ln w="19050">
+              <a:solidFill>
+                <a:schemeClr val="tx1"/>
+              </a:solidFill>
+            </a:ln>
+          </p:spPr>
+          <p:style>
+            <a:lnRef idx="1">
+              <a:schemeClr val="accent1"/>
+            </a:lnRef>
+            <a:fillRef idx="0">
+              <a:schemeClr val="accent1"/>
+            </a:fillRef>
+            <a:effectRef idx="0">
+              <a:schemeClr val="accent1"/>
+            </a:effectRef>
+            <a:fontRef idx="minor">
+              <a:schemeClr val="tx1"/>
+            </a:fontRef>
+          </p:style>
+        </p:cxnSp>
+        <p:cxnSp>
+          <p:nvCxnSpPr>
+            <p:cNvPr id="12" name="Conector recto 11">
+              <a:extLst>
+                <a:ext uri="{FF2B5EF4-FFF2-40B4-BE49-F238E27FC236}">
+                  <a16:creationId xmlns:a16="http://schemas.microsoft.com/office/drawing/2014/main" id="{283140A7-27C7-497E-B372-2ED0082A1B2B}"/>
+                </a:ext>
+              </a:extLst>
+            </p:cNvPr>
+            <p:cNvCxnSpPr>
+              <a:cxnSpLocks/>
+              <a:stCxn id="7" idx="0"/>
+              <a:endCxn id="3" idx="4"/>
+            </p:cNvCxnSpPr>
+            <p:nvPr/>
+          </p:nvCxnSpPr>
+          <p:spPr>
+            <a:xfrm flipV="1">
+              <a:off x="3709003" y="2956507"/>
+              <a:ext cx="0" cy="1370890"/>
+            </a:xfrm>
+            <a:prstGeom prst="line">
+              <a:avLst/>
+            </a:prstGeom>
+            <a:ln w="19050">
+              <a:solidFill>
+                <a:schemeClr val="tx1"/>
+              </a:solidFill>
+            </a:ln>
+          </p:spPr>
+          <p:style>
+            <a:lnRef idx="1">
+              <a:schemeClr val="accent1"/>
+            </a:lnRef>
+            <a:fillRef idx="0">
+              <a:schemeClr val="accent1"/>
+            </a:fillRef>
+            <a:effectRef idx="0">
+              <a:schemeClr val="accent1"/>
+            </a:effectRef>
+            <a:fontRef idx="minor">
+              <a:schemeClr val="tx1"/>
+            </a:fontRef>
+          </p:style>
+        </p:cxnSp>
+        <p:cxnSp>
+          <p:nvCxnSpPr>
+            <p:cNvPr id="13" name="Conector recto 12">
+              <a:extLst>
+                <a:ext uri="{FF2B5EF4-FFF2-40B4-BE49-F238E27FC236}">
+                  <a16:creationId xmlns:a16="http://schemas.microsoft.com/office/drawing/2014/main" id="{6760C0BB-2480-4EC7-A471-6303A729E1B2}"/>
+                </a:ext>
+              </a:extLst>
+            </p:cNvPr>
+            <p:cNvCxnSpPr>
+              <a:cxnSpLocks/>
+              <a:stCxn id="7" idx="2"/>
+            </p:cNvCxnSpPr>
+            <p:nvPr/>
+          </p:nvCxnSpPr>
+          <p:spPr>
+            <a:xfrm flipH="1" flipV="1">
+              <a:off x="2416550" y="3684981"/>
+              <a:ext cx="986453" cy="948416"/>
+            </a:xfrm>
+            <a:prstGeom prst="line">
+              <a:avLst/>
+            </a:prstGeom>
+            <a:ln w="19050">
+              <a:solidFill>
+                <a:schemeClr val="tx1"/>
+              </a:solidFill>
+            </a:ln>
+          </p:spPr>
+          <p:style>
+            <a:lnRef idx="1">
+              <a:schemeClr val="accent1"/>
+            </a:lnRef>
+            <a:fillRef idx="0">
+              <a:schemeClr val="accent1"/>
+            </a:fillRef>
+            <a:effectRef idx="0">
+              <a:schemeClr val="accent1"/>
+            </a:effectRef>
+            <a:fontRef idx="minor">
+              <a:schemeClr val="tx1"/>
+            </a:fontRef>
+          </p:style>
+        </p:cxnSp>
+        <p:cxnSp>
+          <p:nvCxnSpPr>
+            <p:cNvPr id="14" name="Conector recto 13">
+              <a:extLst>
+                <a:ext uri="{FF2B5EF4-FFF2-40B4-BE49-F238E27FC236}">
+                  <a16:creationId xmlns:a16="http://schemas.microsoft.com/office/drawing/2014/main" id="{B1D82E86-077B-4704-9683-51E292892695}"/>
+                </a:ext>
+              </a:extLst>
+            </p:cNvPr>
+            <p:cNvCxnSpPr>
+              <a:cxnSpLocks/>
+              <a:stCxn id="16" idx="7"/>
+              <a:endCxn id="3" idx="2"/>
+            </p:cNvCxnSpPr>
+            <p:nvPr/>
+          </p:nvCxnSpPr>
+          <p:spPr>
+            <a:xfrm flipV="1">
+              <a:off x="2516960" y="2650507"/>
+              <a:ext cx="886043" cy="641324"/>
+            </a:xfrm>
+            <a:prstGeom prst="line">
+              <a:avLst/>
+            </a:prstGeom>
+            <a:ln w="19050">
+              <a:solidFill>
+                <a:schemeClr val="tx1"/>
+              </a:solidFill>
+            </a:ln>
+          </p:spPr>
+          <p:style>
+            <a:lnRef idx="1">
+              <a:schemeClr val="accent1"/>
+            </a:lnRef>
+            <a:fillRef idx="0">
+              <a:schemeClr val="accent1"/>
+            </a:fillRef>
+            <a:effectRef idx="0">
+              <a:schemeClr val="accent1"/>
+            </a:effectRef>
+            <a:fontRef idx="minor">
+              <a:schemeClr val="tx1"/>
+            </a:fontRef>
+          </p:style>
+        </p:cxnSp>
+        <p:cxnSp>
+          <p:nvCxnSpPr>
+            <p:cNvPr id="15" name="Conector recto 14">
+              <a:extLst>
+                <a:ext uri="{FF2B5EF4-FFF2-40B4-BE49-F238E27FC236}">
+                  <a16:creationId xmlns:a16="http://schemas.microsoft.com/office/drawing/2014/main" id="{252C17F4-595F-4DD3-8687-4514D828F19B}"/>
+                </a:ext>
+              </a:extLst>
+            </p:cNvPr>
+            <p:cNvCxnSpPr>
+              <a:cxnSpLocks/>
+              <a:stCxn id="5" idx="0"/>
+              <a:endCxn id="6" idx="4"/>
+            </p:cNvCxnSpPr>
+            <p:nvPr/>
+          </p:nvCxnSpPr>
+          <p:spPr>
+            <a:xfrm flipV="1">
+              <a:off x="6106750" y="2956507"/>
+              <a:ext cx="0" cy="1370890"/>
+            </a:xfrm>
+            <a:prstGeom prst="line">
+              <a:avLst/>
+            </a:prstGeom>
+            <a:ln w="19050">
+              <a:solidFill>
+                <a:schemeClr val="tx1"/>
+              </a:solidFill>
+            </a:ln>
+          </p:spPr>
+          <p:style>
+            <a:lnRef idx="1">
+              <a:schemeClr val="accent1"/>
+            </a:lnRef>
+            <a:fillRef idx="0">
+              <a:schemeClr val="accent1"/>
+            </a:fillRef>
+            <a:effectRef idx="0">
+              <a:schemeClr val="accent1"/>
+            </a:effectRef>
+            <a:fontRef idx="minor">
+              <a:schemeClr val="tx1"/>
+            </a:fontRef>
+          </p:style>
+        </p:cxnSp>
+        <p:sp>
+          <p:nvSpPr>
+            <p:cNvPr id="16" name="Elipse 15">
+              <a:extLst>
+                <a:ext uri="{FF2B5EF4-FFF2-40B4-BE49-F238E27FC236}">
+                  <a16:creationId xmlns:a16="http://schemas.microsoft.com/office/drawing/2014/main" id="{D746B895-3ACF-4A54-B64B-1022B6942786}"/>
+                </a:ext>
+              </a:extLst>
+            </p:cNvPr>
+            <p:cNvSpPr/>
+            <p:nvPr/>
+          </p:nvSpPr>
+          <p:spPr>
+            <a:xfrm>
+              <a:off x="1994585" y="3202206"/>
+              <a:ext cx="612000" cy="612000"/>
+            </a:xfrm>
+            <a:prstGeom prst="ellipse">
+              <a:avLst/>
+            </a:prstGeom>
+            <a:solidFill>
+              <a:schemeClr val="tx1"/>
+            </a:solidFill>
+            <a:ln>
+              <a:noFill/>
+            </a:ln>
+          </p:spPr>
+          <p:style>
+            <a:lnRef idx="2">
+              <a:schemeClr val="accent1">
+                <a:shade val="50000"/>
+              </a:schemeClr>
+            </a:lnRef>
+            <a:fillRef idx="1">
+              <a:schemeClr val="accent1"/>
+            </a:fillRef>
+            <a:effectRef idx="0">
+              <a:schemeClr val="accent1"/>
+            </a:effectRef>
+            <a:fontRef idx="minor">
+              <a:schemeClr val="lt1"/>
+            </a:fontRef>
+          </p:style>
+          <p:txBody>
+            <a:bodyPr rtlCol="0" anchor="ctr"/>
+            <a:lstStyle/>
+            <a:p>
+              <a:pPr algn="ctr"/>
+              <a:endParaRPr lang="es-MX"/>
+            </a:p>
+          </p:txBody>
+        </p:sp>
+      </p:grpSp>
+      <p:sp>
+        <p:nvSpPr>
+          <p:cNvPr id="17" name="Elipse 16">
+            <a:extLst>
+              <a:ext uri="{FF2B5EF4-FFF2-40B4-BE49-F238E27FC236}">
+                <a16:creationId xmlns:a16="http://schemas.microsoft.com/office/drawing/2014/main" id="{A3A304D1-D4BA-4D03-98E2-532F4C3C7E3F}"/>
+              </a:ext>
+            </a:extLst>
+          </p:cNvPr>
+          <p:cNvSpPr/>
+          <p:nvPr/>
+        </p:nvSpPr>
+        <p:spPr>
+          <a:xfrm>
+            <a:off x="2856000" y="1612377"/>
+            <a:ext cx="3240000" cy="3240000"/>
+          </a:xfrm>
+          <a:prstGeom prst="ellipse">
+            <a:avLst/>
+          </a:prstGeom>
+          <a:noFill/>
+          <a:ln w="76200">
+            <a:solidFill>
+              <a:srgbClr val="FF0000"/>
+            </a:solidFill>
+            <a:prstDash val="dash"/>
+          </a:ln>
+        </p:spPr>
+        <p:style>
+          <a:lnRef idx="2">
+            <a:schemeClr val="accent1">
+              <a:shade val="50000"/>
+            </a:schemeClr>
+          </a:lnRef>
+          <a:fillRef idx="1">
+            <a:schemeClr val="accent1"/>
+          </a:fillRef>
+          <a:effectRef idx="0">
+            <a:schemeClr val="accent1"/>
+          </a:effectRef>
+          <a:fontRef idx="minor">
+            <a:schemeClr val="lt1"/>
+          </a:fontRef>
+        </p:style>
+        <p:txBody>
+          <a:bodyPr rtlCol="0" anchor="ctr"/>
+          <a:lstStyle/>
+          <a:p>
+            <a:pPr algn="ctr"/>
+            <a:endParaRPr lang="es-MX"/>
+          </a:p>
+        </p:txBody>
+      </p:sp>
+      <p:sp>
+        <p:nvSpPr>
+          <p:cNvPr id="18" name="Elipse 17">
+            <a:extLst>
+              <a:ext uri="{FF2B5EF4-FFF2-40B4-BE49-F238E27FC236}">
+                <a16:creationId xmlns:a16="http://schemas.microsoft.com/office/drawing/2014/main" id="{E5CDC493-8BE5-4D3C-A50E-9F44668AC91D}"/>
+              </a:ext>
+            </a:extLst>
+          </p:cNvPr>
+          <p:cNvSpPr/>
+          <p:nvPr/>
+        </p:nvSpPr>
+        <p:spPr>
+          <a:xfrm>
+            <a:off x="6402000" y="1522377"/>
+            <a:ext cx="3420000" cy="3420000"/>
+          </a:xfrm>
+          <a:prstGeom prst="ellipse">
+            <a:avLst/>
+          </a:prstGeom>
+          <a:noFill/>
+          <a:ln w="76200">
+            <a:solidFill>
+              <a:srgbClr val="FF0000"/>
+            </a:solidFill>
+            <a:prstDash val="dash"/>
+          </a:ln>
+        </p:spPr>
+        <p:style>
+          <a:lnRef idx="2">
+            <a:schemeClr val="accent1">
+              <a:shade val="50000"/>
+            </a:schemeClr>
+          </a:lnRef>
+          <a:fillRef idx="1">
+            <a:schemeClr val="accent1"/>
+          </a:fillRef>
+          <a:effectRef idx="0">
+            <a:schemeClr val="accent1"/>
+          </a:effectRef>
+          <a:fontRef idx="minor">
+            <a:schemeClr val="lt1"/>
+          </a:fontRef>
+        </p:style>
+        <p:txBody>
+          <a:bodyPr rtlCol="0" anchor="ctr"/>
+          <a:lstStyle/>
+          <a:p>
+            <a:pPr algn="ctr"/>
+            <a:r>
+              <a:rPr lang="es-MX" dirty="0"/>
+              <a:t>9.5</a:t>
+            </a:r>
+          </a:p>
+        </p:txBody>
+      </p:sp>
+    </p:spTree>
+    <p:extLst>
+      <p:ext uri="{BB962C8B-B14F-4D97-AF65-F5344CB8AC3E}">
+        <p14:creationId xmlns:p14="http://schemas.microsoft.com/office/powerpoint/2010/main" val="1732275194"/>
+      </p:ext>
+    </p:extLst>
+  </p:cSld>
+  <p:clrMapOvr>
+    <a:masterClrMapping/>
+  </p:clrMapOvr>
+</p:sld>
+</file>
+
+<file path=ppt/slides/slide12.xml><?xml version="1.0" encoding="utf-8"?>
+<p:sld xmlns:a="http://schemas.openxmlformats.org/drawingml/2006/main" xmlns:r="http://schemas.openxmlformats.org/officeDocument/2006/relationships" xmlns:p="http://schemas.openxmlformats.org/presentationml/2006/main">
+  <p:cSld>
+    <p:spTree>
+      <p:nvGrpSpPr>
+        <p:cNvPr id="1" name=""/>
+        <p:cNvGrpSpPr/>
+        <p:nvPr/>
+      </p:nvGrpSpPr>
+      <p:grpSpPr>
+        <a:xfrm>
+          <a:off x="0" y="0"/>
+          <a:ext cx="0" cy="0"/>
+          <a:chOff x="0" y="0"/>
+          <a:chExt cx="0" cy="0"/>
+        </a:xfrm>
+      </p:grpSpPr>
+      <p:sp>
+        <p:nvSpPr>
+          <p:cNvPr id="3" name="Elipse 2">
+            <a:extLst>
+              <a:ext uri="{FF2B5EF4-FFF2-40B4-BE49-F238E27FC236}">
+                <a16:creationId xmlns:a16="http://schemas.microsoft.com/office/drawing/2014/main" id="{FB36CD99-BAFE-4F91-96AA-40388F288976}"/>
+              </a:ext>
+            </a:extLst>
+          </p:cNvPr>
+          <p:cNvSpPr/>
+          <p:nvPr/>
+        </p:nvSpPr>
+        <p:spPr>
+          <a:xfrm>
+            <a:off x="4555528" y="1934932"/>
+            <a:ext cx="612000" cy="612000"/>
+          </a:xfrm>
+          <a:prstGeom prst="ellipse">
+            <a:avLst/>
+          </a:prstGeom>
+          <a:solidFill>
+            <a:schemeClr val="tx1"/>
+          </a:solidFill>
+          <a:ln>
+            <a:noFill/>
+          </a:ln>
+        </p:spPr>
+        <p:style>
+          <a:lnRef idx="2">
+            <a:schemeClr val="accent1">
+              <a:shade val="50000"/>
+            </a:schemeClr>
+          </a:lnRef>
+          <a:fillRef idx="1">
+            <a:schemeClr val="accent1"/>
+          </a:fillRef>
+          <a:effectRef idx="0">
+            <a:schemeClr val="accent1"/>
+          </a:effectRef>
+          <a:fontRef idx="minor">
+            <a:schemeClr val="lt1"/>
+          </a:fontRef>
+        </p:style>
+        <p:txBody>
+          <a:bodyPr rtlCol="0" anchor="ctr"/>
+          <a:lstStyle/>
+          <a:p>
+            <a:pPr algn="ctr"/>
+            <a:endParaRPr lang="es-MX"/>
+          </a:p>
+        </p:txBody>
+      </p:sp>
+      <p:sp>
+        <p:nvSpPr>
+          <p:cNvPr id="4" name="Elipse 3">
+            <a:extLst>
+              <a:ext uri="{FF2B5EF4-FFF2-40B4-BE49-F238E27FC236}">
+                <a16:creationId xmlns:a16="http://schemas.microsoft.com/office/drawing/2014/main" id="{379E8D32-C285-4C0A-8A3D-5D7CB071FCC6}"/>
+              </a:ext>
+            </a:extLst>
+          </p:cNvPr>
+          <p:cNvSpPr/>
+          <p:nvPr/>
+        </p:nvSpPr>
+        <p:spPr>
+          <a:xfrm>
+            <a:off x="9129415" y="2792631"/>
+            <a:ext cx="612000" cy="612000"/>
+          </a:xfrm>
+          <a:prstGeom prst="ellipse">
+            <a:avLst/>
+          </a:prstGeom>
+          <a:solidFill>
+            <a:schemeClr val="tx1"/>
+          </a:solidFill>
+          <a:ln>
+            <a:noFill/>
+          </a:ln>
+        </p:spPr>
+        <p:style>
+          <a:lnRef idx="2">
+            <a:schemeClr val="accent1">
+              <a:shade val="50000"/>
+            </a:schemeClr>
+          </a:lnRef>
+          <a:fillRef idx="1">
+            <a:schemeClr val="accent1"/>
+          </a:fillRef>
+          <a:effectRef idx="0">
+            <a:schemeClr val="accent1"/>
+          </a:effectRef>
+          <a:fontRef idx="minor">
+            <a:schemeClr val="lt1"/>
+          </a:fontRef>
+        </p:style>
+        <p:txBody>
+          <a:bodyPr rtlCol="0" anchor="ctr"/>
+          <a:lstStyle/>
+          <a:p>
+            <a:pPr algn="ctr"/>
+            <a:endParaRPr lang="es-MX"/>
+          </a:p>
+        </p:txBody>
+      </p:sp>
+      <p:sp>
+        <p:nvSpPr>
+          <p:cNvPr id="5" name="Elipse 4">
+            <a:extLst>
+              <a:ext uri="{FF2B5EF4-FFF2-40B4-BE49-F238E27FC236}">
+                <a16:creationId xmlns:a16="http://schemas.microsoft.com/office/drawing/2014/main" id="{EBE406DD-3B6B-4C3B-BB45-AE8D596A12EC}"/>
+              </a:ext>
+            </a:extLst>
+          </p:cNvPr>
+          <p:cNvSpPr/>
+          <p:nvPr/>
+        </p:nvSpPr>
+        <p:spPr>
+          <a:xfrm>
+            <a:off x="6953275" y="3917822"/>
+            <a:ext cx="612000" cy="612000"/>
+          </a:xfrm>
+          <a:prstGeom prst="ellipse">
+            <a:avLst/>
+          </a:prstGeom>
+          <a:solidFill>
+            <a:schemeClr val="tx1"/>
+          </a:solidFill>
+          <a:ln>
+            <a:noFill/>
+          </a:ln>
+        </p:spPr>
+        <p:style>
+          <a:lnRef idx="2">
+            <a:schemeClr val="accent1">
+              <a:shade val="50000"/>
+            </a:schemeClr>
+          </a:lnRef>
+          <a:fillRef idx="1">
+            <a:schemeClr val="accent1"/>
+          </a:fillRef>
+          <a:effectRef idx="0">
+            <a:schemeClr val="accent1"/>
+          </a:effectRef>
+          <a:fontRef idx="minor">
+            <a:schemeClr val="lt1"/>
+          </a:fontRef>
+        </p:style>
+        <p:txBody>
+          <a:bodyPr rtlCol="0" anchor="ctr"/>
+          <a:lstStyle/>
+          <a:p>
+            <a:pPr algn="ctr"/>
+            <a:endParaRPr lang="es-MX"/>
+          </a:p>
+        </p:txBody>
+      </p:sp>
+      <p:sp>
+        <p:nvSpPr>
+          <p:cNvPr id="6" name="Elipse 5">
+            <a:extLst>
+              <a:ext uri="{FF2B5EF4-FFF2-40B4-BE49-F238E27FC236}">
+                <a16:creationId xmlns:a16="http://schemas.microsoft.com/office/drawing/2014/main" id="{077DC8F7-6CB5-4382-BACC-842E69BE763F}"/>
+              </a:ext>
+            </a:extLst>
+          </p:cNvPr>
+          <p:cNvSpPr/>
+          <p:nvPr/>
+        </p:nvSpPr>
+        <p:spPr>
+          <a:xfrm>
+            <a:off x="6953275" y="1934932"/>
+            <a:ext cx="612000" cy="612000"/>
+          </a:xfrm>
+          <a:prstGeom prst="ellipse">
+            <a:avLst/>
+          </a:prstGeom>
+          <a:solidFill>
+            <a:schemeClr val="tx1"/>
+          </a:solidFill>
+          <a:ln>
+            <a:noFill/>
+          </a:ln>
+        </p:spPr>
+        <p:style>
+          <a:lnRef idx="2">
+            <a:schemeClr val="accent1">
+              <a:shade val="50000"/>
+            </a:schemeClr>
+          </a:lnRef>
+          <a:fillRef idx="1">
+            <a:schemeClr val="accent1"/>
+          </a:fillRef>
+          <a:effectRef idx="0">
+            <a:schemeClr val="accent1"/>
+          </a:effectRef>
+          <a:fontRef idx="minor">
+            <a:schemeClr val="lt1"/>
+          </a:fontRef>
+        </p:style>
+        <p:txBody>
+          <a:bodyPr rtlCol="0" anchor="ctr"/>
+          <a:lstStyle/>
+          <a:p>
+            <a:pPr algn="ctr"/>
+            <a:endParaRPr lang="es-MX"/>
+          </a:p>
+        </p:txBody>
+      </p:sp>
+      <p:sp>
+        <p:nvSpPr>
+          <p:cNvPr id="7" name="Elipse 6">
+            <a:extLst>
+              <a:ext uri="{FF2B5EF4-FFF2-40B4-BE49-F238E27FC236}">
+                <a16:creationId xmlns:a16="http://schemas.microsoft.com/office/drawing/2014/main" id="{7CFC99F9-DDB3-4A33-B725-657B9CE9D113}"/>
+              </a:ext>
+            </a:extLst>
+          </p:cNvPr>
+          <p:cNvSpPr/>
+          <p:nvPr/>
+        </p:nvSpPr>
+        <p:spPr>
+          <a:xfrm>
+            <a:off x="4555528" y="3917822"/>
+            <a:ext cx="612000" cy="612000"/>
+          </a:xfrm>
+          <a:prstGeom prst="ellipse">
+            <a:avLst/>
+          </a:prstGeom>
+          <a:solidFill>
+            <a:schemeClr val="tx1"/>
+          </a:solidFill>
+          <a:ln>
+            <a:noFill/>
+          </a:ln>
+        </p:spPr>
+        <p:style>
+          <a:lnRef idx="2">
+            <a:schemeClr val="accent1">
+              <a:shade val="50000"/>
+            </a:schemeClr>
+          </a:lnRef>
+          <a:fillRef idx="1">
+            <a:schemeClr val="accent1"/>
+          </a:fillRef>
+          <a:effectRef idx="0">
+            <a:schemeClr val="accent1"/>
+          </a:effectRef>
+          <a:fontRef idx="minor">
+            <a:schemeClr val="lt1"/>
+          </a:fontRef>
+        </p:style>
+        <p:txBody>
+          <a:bodyPr rtlCol="0" anchor="ctr"/>
+          <a:lstStyle/>
+          <a:p>
+            <a:pPr algn="ctr"/>
+            <a:endParaRPr lang="es-MX"/>
+          </a:p>
+        </p:txBody>
+      </p:sp>
+      <p:cxnSp>
+        <p:nvCxnSpPr>
+          <p:cNvPr id="9" name="Conector recto 8">
+            <a:extLst>
+              <a:ext uri="{FF2B5EF4-FFF2-40B4-BE49-F238E27FC236}">
+                <a16:creationId xmlns:a16="http://schemas.microsoft.com/office/drawing/2014/main" id="{E11F6E97-A2CF-4C85-8501-DD5DB5A5958B}"/>
+              </a:ext>
+            </a:extLst>
+          </p:cNvPr>
+          <p:cNvCxnSpPr>
+            <a:cxnSpLocks/>
+            <a:stCxn id="6" idx="6"/>
+            <a:endCxn id="4" idx="2"/>
+          </p:cNvCxnSpPr>
+          <p:nvPr/>
+        </p:nvCxnSpPr>
+        <p:spPr>
+          <a:xfrm>
+            <a:off x="7565275" y="2240932"/>
+            <a:ext cx="1564140" cy="857699"/>
+          </a:xfrm>
+          <a:prstGeom prst="line">
+            <a:avLst/>
+          </a:prstGeom>
+          <a:ln w="19050">
+            <a:solidFill>
+              <a:schemeClr val="tx1"/>
+            </a:solidFill>
+          </a:ln>
+        </p:spPr>
+        <p:style>
+          <a:lnRef idx="1">
+            <a:schemeClr val="accent1"/>
+          </a:lnRef>
+          <a:fillRef idx="0">
+            <a:schemeClr val="accent1"/>
+          </a:fillRef>
+          <a:effectRef idx="0">
+            <a:schemeClr val="accent1"/>
+          </a:effectRef>
+          <a:fontRef idx="minor">
+            <a:schemeClr val="tx1"/>
+          </a:fontRef>
+        </p:style>
+      </p:cxnSp>
+      <p:cxnSp>
+        <p:nvCxnSpPr>
+          <p:cNvPr id="10" name="Conector recto 9">
+            <a:extLst>
+              <a:ext uri="{FF2B5EF4-FFF2-40B4-BE49-F238E27FC236}">
+                <a16:creationId xmlns:a16="http://schemas.microsoft.com/office/drawing/2014/main" id="{11614436-DED6-4484-8C98-AEAF35C3022D}"/>
+              </a:ext>
+            </a:extLst>
+          </p:cNvPr>
+          <p:cNvCxnSpPr>
+            <a:cxnSpLocks/>
+            <a:stCxn id="5" idx="6"/>
+            <a:endCxn id="4" idx="3"/>
+          </p:cNvCxnSpPr>
+          <p:nvPr/>
+        </p:nvCxnSpPr>
+        <p:spPr>
+          <a:xfrm flipV="1">
+            <a:off x="7565275" y="3315006"/>
+            <a:ext cx="1653765" cy="908816"/>
+          </a:xfrm>
+          <a:prstGeom prst="line">
+            <a:avLst/>
+          </a:prstGeom>
+          <a:ln w="19050">
+            <a:solidFill>
+              <a:schemeClr val="tx1"/>
+            </a:solidFill>
+          </a:ln>
+        </p:spPr>
+        <p:style>
+          <a:lnRef idx="1">
+            <a:schemeClr val="accent1"/>
+          </a:lnRef>
+          <a:fillRef idx="0">
+            <a:schemeClr val="accent1"/>
+          </a:fillRef>
+          <a:effectRef idx="0">
+            <a:schemeClr val="accent1"/>
+          </a:effectRef>
+          <a:fontRef idx="minor">
+            <a:schemeClr val="tx1"/>
+          </a:fontRef>
+        </p:style>
+      </p:cxnSp>
+      <p:cxnSp>
+        <p:nvCxnSpPr>
+          <p:cNvPr id="12" name="Conector recto 11">
+            <a:extLst>
+              <a:ext uri="{FF2B5EF4-FFF2-40B4-BE49-F238E27FC236}">
+                <a16:creationId xmlns:a16="http://schemas.microsoft.com/office/drawing/2014/main" id="{283140A7-27C7-497E-B372-2ED0082A1B2B}"/>
+              </a:ext>
+            </a:extLst>
+          </p:cNvPr>
+          <p:cNvCxnSpPr>
+            <a:cxnSpLocks/>
+            <a:stCxn id="7" idx="0"/>
+            <a:endCxn id="3" idx="4"/>
+          </p:cNvCxnSpPr>
+          <p:nvPr/>
+        </p:nvCxnSpPr>
+        <p:spPr>
+          <a:xfrm flipV="1">
+            <a:off x="4861528" y="2546932"/>
+            <a:ext cx="0" cy="1370890"/>
+          </a:xfrm>
+          <a:prstGeom prst="line">
+            <a:avLst/>
+          </a:prstGeom>
+          <a:ln w="19050">
+            <a:solidFill>
+              <a:schemeClr val="tx1"/>
+            </a:solidFill>
+          </a:ln>
+        </p:spPr>
+        <p:style>
+          <a:lnRef idx="1">
+            <a:schemeClr val="accent1"/>
+          </a:lnRef>
+          <a:fillRef idx="0">
+            <a:schemeClr val="accent1"/>
+          </a:fillRef>
+          <a:effectRef idx="0">
+            <a:schemeClr val="accent1"/>
+          </a:effectRef>
+          <a:fontRef idx="minor">
+            <a:schemeClr val="tx1"/>
+          </a:fontRef>
+        </p:style>
+      </p:cxnSp>
+      <p:cxnSp>
+        <p:nvCxnSpPr>
+          <p:cNvPr id="13" name="Conector recto 12">
+            <a:extLst>
+              <a:ext uri="{FF2B5EF4-FFF2-40B4-BE49-F238E27FC236}">
+                <a16:creationId xmlns:a16="http://schemas.microsoft.com/office/drawing/2014/main" id="{6760C0BB-2480-4EC7-A471-6303A729E1B2}"/>
+              </a:ext>
+            </a:extLst>
+          </p:cNvPr>
+          <p:cNvCxnSpPr>
+            <a:cxnSpLocks/>
+            <a:stCxn id="7" idx="2"/>
+          </p:cNvCxnSpPr>
+          <p:nvPr/>
+        </p:nvCxnSpPr>
+        <p:spPr>
+          <a:xfrm flipH="1" flipV="1">
+            <a:off x="3569075" y="3275406"/>
+            <a:ext cx="986453" cy="948416"/>
+          </a:xfrm>
+          <a:prstGeom prst="line">
+            <a:avLst/>
+          </a:prstGeom>
+          <a:ln w="19050">
+            <a:solidFill>
+              <a:schemeClr val="tx1"/>
+            </a:solidFill>
+          </a:ln>
+        </p:spPr>
+        <p:style>
+          <a:lnRef idx="1">
+            <a:schemeClr val="accent1"/>
+          </a:lnRef>
+          <a:fillRef idx="0">
+            <a:schemeClr val="accent1"/>
+          </a:fillRef>
+          <a:effectRef idx="0">
+            <a:schemeClr val="accent1"/>
+          </a:effectRef>
+          <a:fontRef idx="minor">
+            <a:schemeClr val="tx1"/>
+          </a:fontRef>
+        </p:style>
+      </p:cxnSp>
+      <p:cxnSp>
+        <p:nvCxnSpPr>
+          <p:cNvPr id="14" name="Conector recto 13">
+            <a:extLst>
+              <a:ext uri="{FF2B5EF4-FFF2-40B4-BE49-F238E27FC236}">
+                <a16:creationId xmlns:a16="http://schemas.microsoft.com/office/drawing/2014/main" id="{B1D82E86-077B-4704-9683-51E292892695}"/>
+              </a:ext>
+            </a:extLst>
+          </p:cNvPr>
+          <p:cNvCxnSpPr>
+            <a:cxnSpLocks/>
+            <a:stCxn id="16" idx="7"/>
+            <a:endCxn id="3" idx="2"/>
+          </p:cNvCxnSpPr>
+          <p:nvPr/>
+        </p:nvCxnSpPr>
+        <p:spPr>
+          <a:xfrm flipV="1">
+            <a:off x="3669485" y="2240932"/>
+            <a:ext cx="886043" cy="641324"/>
+          </a:xfrm>
+          <a:prstGeom prst="line">
+            <a:avLst/>
+          </a:prstGeom>
+          <a:ln w="19050">
+            <a:solidFill>
+              <a:schemeClr val="tx1"/>
+            </a:solidFill>
+          </a:ln>
+        </p:spPr>
+        <p:style>
+          <a:lnRef idx="1">
+            <a:schemeClr val="accent1"/>
+          </a:lnRef>
+          <a:fillRef idx="0">
+            <a:schemeClr val="accent1"/>
+          </a:fillRef>
+          <a:effectRef idx="0">
+            <a:schemeClr val="accent1"/>
+          </a:effectRef>
+          <a:fontRef idx="minor">
+            <a:schemeClr val="tx1"/>
+          </a:fontRef>
+        </p:style>
+      </p:cxnSp>
+      <p:cxnSp>
+        <p:nvCxnSpPr>
+          <p:cNvPr id="15" name="Conector recto 14">
+            <a:extLst>
+              <a:ext uri="{FF2B5EF4-FFF2-40B4-BE49-F238E27FC236}">
+                <a16:creationId xmlns:a16="http://schemas.microsoft.com/office/drawing/2014/main" id="{252C17F4-595F-4DD3-8687-4514D828F19B}"/>
+              </a:ext>
+            </a:extLst>
+          </p:cNvPr>
+          <p:cNvCxnSpPr>
+            <a:cxnSpLocks/>
+            <a:stCxn id="5" idx="0"/>
+            <a:endCxn id="6" idx="4"/>
+          </p:cNvCxnSpPr>
+          <p:nvPr/>
+        </p:nvCxnSpPr>
+        <p:spPr>
+          <a:xfrm flipV="1">
+            <a:off x="7259275" y="2546932"/>
+            <a:ext cx="0" cy="1370890"/>
+          </a:xfrm>
+          <a:prstGeom prst="line">
+            <a:avLst/>
+          </a:prstGeom>
+          <a:ln w="19050">
+            <a:solidFill>
+              <a:schemeClr val="tx1"/>
+            </a:solidFill>
+          </a:ln>
+        </p:spPr>
+        <p:style>
+          <a:lnRef idx="1">
+            <a:schemeClr val="accent1"/>
+          </a:lnRef>
+          <a:fillRef idx="0">
+            <a:schemeClr val="accent1"/>
+          </a:fillRef>
+          <a:effectRef idx="0">
+            <a:schemeClr val="accent1"/>
+          </a:effectRef>
+          <a:fontRef idx="minor">
+            <a:schemeClr val="tx1"/>
+          </a:fontRef>
+        </p:style>
+      </p:cxnSp>
+      <p:sp>
+        <p:nvSpPr>
+          <p:cNvPr id="16" name="Elipse 15">
+            <a:extLst>
+              <a:ext uri="{FF2B5EF4-FFF2-40B4-BE49-F238E27FC236}">
+                <a16:creationId xmlns:a16="http://schemas.microsoft.com/office/drawing/2014/main" id="{D746B895-3ACF-4A54-B64B-1022B6942786}"/>
+              </a:ext>
+            </a:extLst>
+          </p:cNvPr>
+          <p:cNvSpPr/>
+          <p:nvPr/>
+        </p:nvSpPr>
+        <p:spPr>
+          <a:xfrm>
+            <a:off x="3147110" y="2792631"/>
+            <a:ext cx="612000" cy="612000"/>
+          </a:xfrm>
+          <a:prstGeom prst="ellipse">
+            <a:avLst/>
+          </a:prstGeom>
+          <a:solidFill>
+            <a:schemeClr val="tx1"/>
+          </a:solidFill>
+          <a:ln>
+            <a:noFill/>
+          </a:ln>
+        </p:spPr>
+        <p:style>
+          <a:lnRef idx="2">
+            <a:schemeClr val="accent1">
+              <a:shade val="50000"/>
+            </a:schemeClr>
+          </a:lnRef>
+          <a:fillRef idx="1">
+            <a:schemeClr val="accent1"/>
+          </a:fillRef>
+          <a:effectRef idx="0">
+            <a:schemeClr val="accent1"/>
+          </a:effectRef>
+          <a:fontRef idx="minor">
+            <a:schemeClr val="lt1"/>
+          </a:fontRef>
+        </p:style>
+        <p:txBody>
+          <a:bodyPr rtlCol="0" anchor="ctr"/>
+          <a:lstStyle/>
+          <a:p>
+            <a:pPr algn="ctr"/>
+            <a:endParaRPr lang="es-MX"/>
+          </a:p>
+        </p:txBody>
+      </p:sp>
+      <p:sp>
+        <p:nvSpPr>
+          <p:cNvPr id="17" name="Elipse 16">
+            <a:extLst>
+              <a:ext uri="{FF2B5EF4-FFF2-40B4-BE49-F238E27FC236}">
+                <a16:creationId xmlns:a16="http://schemas.microsoft.com/office/drawing/2014/main" id="{A3A304D1-D4BA-4D03-98E2-532F4C3C7E3F}"/>
+              </a:ext>
+            </a:extLst>
+          </p:cNvPr>
+          <p:cNvSpPr/>
+          <p:nvPr/>
+        </p:nvSpPr>
+        <p:spPr>
+          <a:xfrm>
+            <a:off x="2856000" y="1612377"/>
+            <a:ext cx="3240000" cy="3240000"/>
+          </a:xfrm>
+          <a:prstGeom prst="ellipse">
+            <a:avLst/>
+          </a:prstGeom>
+          <a:noFill/>
+          <a:ln w="76200">
+            <a:solidFill>
+              <a:srgbClr val="FF0000"/>
+            </a:solidFill>
+            <a:prstDash val="dash"/>
+          </a:ln>
+        </p:spPr>
+        <p:style>
+          <a:lnRef idx="2">
+            <a:schemeClr val="accent1">
+              <a:shade val="50000"/>
+            </a:schemeClr>
+          </a:lnRef>
+          <a:fillRef idx="1">
+            <a:schemeClr val="accent1"/>
+          </a:fillRef>
+          <a:effectRef idx="0">
+            <a:schemeClr val="accent1"/>
+          </a:effectRef>
+          <a:fontRef idx="minor">
+            <a:schemeClr val="lt1"/>
+          </a:fontRef>
+        </p:style>
+        <p:txBody>
+          <a:bodyPr rtlCol="0" anchor="ctr"/>
+          <a:lstStyle/>
+          <a:p>
+            <a:pPr algn="ctr"/>
+            <a:endParaRPr lang="es-MX"/>
+          </a:p>
+        </p:txBody>
+      </p:sp>
+      <p:sp>
+        <p:nvSpPr>
+          <p:cNvPr id="18" name="Elipse 17">
+            <a:extLst>
+              <a:ext uri="{FF2B5EF4-FFF2-40B4-BE49-F238E27FC236}">
+                <a16:creationId xmlns:a16="http://schemas.microsoft.com/office/drawing/2014/main" id="{E5CDC493-8BE5-4D3C-A50E-9F44668AC91D}"/>
+              </a:ext>
+            </a:extLst>
+          </p:cNvPr>
+          <p:cNvSpPr/>
+          <p:nvPr/>
+        </p:nvSpPr>
+        <p:spPr>
+          <a:xfrm>
+            <a:off x="6402000" y="1522377"/>
+            <a:ext cx="3420000" cy="3420000"/>
+          </a:xfrm>
+          <a:prstGeom prst="ellipse">
+            <a:avLst/>
+          </a:prstGeom>
+          <a:noFill/>
+          <a:ln w="76200">
+            <a:solidFill>
+              <a:srgbClr val="FF0000"/>
+            </a:solidFill>
+            <a:prstDash val="dash"/>
+          </a:ln>
+        </p:spPr>
+        <p:style>
+          <a:lnRef idx="2">
+            <a:schemeClr val="accent1">
+              <a:shade val="50000"/>
+            </a:schemeClr>
+          </a:lnRef>
+          <a:fillRef idx="1">
+            <a:schemeClr val="accent1"/>
+          </a:fillRef>
+          <a:effectRef idx="0">
+            <a:schemeClr val="accent1"/>
+          </a:effectRef>
+          <a:fontRef idx="minor">
+            <a:schemeClr val="lt1"/>
+          </a:fontRef>
+        </p:style>
+        <p:txBody>
+          <a:bodyPr rtlCol="0" anchor="ctr"/>
+          <a:lstStyle/>
+          <a:p>
+            <a:pPr algn="ctr"/>
+            <a:r>
+              <a:rPr lang="es-MX" dirty="0"/>
+              <a:t>9.5</a:t>
+            </a:r>
+          </a:p>
+        </p:txBody>
+      </p:sp>
+    </p:spTree>
+    <p:extLst>
+      <p:ext uri="{BB962C8B-B14F-4D97-AF65-F5344CB8AC3E}">
+        <p14:creationId xmlns:p14="http://schemas.microsoft.com/office/powerpoint/2010/main" val="562181722"/>
+      </p:ext>
+    </p:extLst>
+  </p:cSld>
+  <p:clrMapOvr>
+    <a:masterClrMapping/>
+  </p:clrMapOvr>
+</p:sld>
+</file>
+
+<file path=ppt/slides/slide13.xml><?xml version="1.0" encoding="utf-8"?>
+<p:sld xmlns:a="http://schemas.openxmlformats.org/drawingml/2006/main" xmlns:r="http://schemas.openxmlformats.org/officeDocument/2006/relationships" xmlns:p="http://schemas.openxmlformats.org/presentationml/2006/main">
+  <p:cSld>
+    <p:spTree>
+      <p:nvGrpSpPr>
+        <p:cNvPr id="1" name=""/>
+        <p:cNvGrpSpPr/>
+        <p:nvPr/>
+      </p:nvGrpSpPr>
+      <p:grpSpPr>
+        <a:xfrm>
+          <a:off x="0" y="0"/>
+          <a:ext cx="0" cy="0"/>
+          <a:chOff x="0" y="0"/>
+          <a:chExt cx="0" cy="0"/>
+        </a:xfrm>
+      </p:grpSpPr>
+      <p:sp>
+        <p:nvSpPr>
+          <p:cNvPr id="3" name="Elipse 2">
+            <a:extLst>
+              <a:ext uri="{FF2B5EF4-FFF2-40B4-BE49-F238E27FC236}">
+                <a16:creationId xmlns:a16="http://schemas.microsoft.com/office/drawing/2014/main" id="{FB36CD99-BAFE-4F91-96AA-40388F288976}"/>
+              </a:ext>
+            </a:extLst>
+          </p:cNvPr>
+          <p:cNvSpPr/>
+          <p:nvPr/>
+        </p:nvSpPr>
+        <p:spPr>
+          <a:xfrm>
+            <a:off x="3662251" y="1779971"/>
+            <a:ext cx="612000" cy="612000"/>
+          </a:xfrm>
+          <a:prstGeom prst="ellipse">
+            <a:avLst/>
+          </a:prstGeom>
+          <a:solidFill>
+            <a:schemeClr val="accent1">
+              <a:lumMod val="50000"/>
+            </a:schemeClr>
+          </a:solidFill>
+          <a:ln>
+            <a:noFill/>
+          </a:ln>
+        </p:spPr>
+        <p:style>
+          <a:lnRef idx="2">
+            <a:schemeClr val="accent1">
+              <a:shade val="50000"/>
+            </a:schemeClr>
+          </a:lnRef>
+          <a:fillRef idx="1">
+            <a:schemeClr val="accent1"/>
+          </a:fillRef>
+          <a:effectRef idx="0">
+            <a:schemeClr val="accent1"/>
+          </a:effectRef>
+          <a:fontRef idx="minor">
+            <a:schemeClr val="lt1"/>
+          </a:fontRef>
+        </p:style>
+        <p:txBody>
+          <a:bodyPr rtlCol="0" anchor="ctr"/>
+          <a:lstStyle/>
+          <a:p>
+            <a:pPr algn="ctr"/>
+            <a:endParaRPr lang="es-MX"/>
+          </a:p>
+        </p:txBody>
+      </p:sp>
+      <p:sp>
+        <p:nvSpPr>
+          <p:cNvPr id="4" name="Elipse 3">
+            <a:extLst>
+              <a:ext uri="{FF2B5EF4-FFF2-40B4-BE49-F238E27FC236}">
+                <a16:creationId xmlns:a16="http://schemas.microsoft.com/office/drawing/2014/main" id="{379E8D32-C285-4C0A-8A3D-5D7CB071FCC6}"/>
+              </a:ext>
+            </a:extLst>
+          </p:cNvPr>
+          <p:cNvSpPr/>
+          <p:nvPr/>
+        </p:nvSpPr>
+        <p:spPr>
+          <a:xfrm>
+            <a:off x="10443865" y="2760146"/>
+            <a:ext cx="612000" cy="612000"/>
+          </a:xfrm>
+          <a:prstGeom prst="ellipse">
+            <a:avLst/>
+          </a:prstGeom>
+          <a:solidFill>
+            <a:schemeClr val="accent1">
+              <a:lumMod val="50000"/>
+            </a:schemeClr>
+          </a:solidFill>
+          <a:ln>
+            <a:noFill/>
+          </a:ln>
+        </p:spPr>
+        <p:style>
+          <a:lnRef idx="2">
+            <a:schemeClr val="accent1">
+              <a:shade val="50000"/>
+            </a:schemeClr>
+          </a:lnRef>
+          <a:fillRef idx="1">
+            <a:schemeClr val="accent1"/>
+          </a:fillRef>
+          <a:effectRef idx="0">
+            <a:schemeClr val="accent1"/>
+          </a:effectRef>
+          <a:fontRef idx="minor">
+            <a:schemeClr val="lt1"/>
+          </a:fontRef>
+        </p:style>
+        <p:txBody>
+          <a:bodyPr rtlCol="0" anchor="ctr"/>
+          <a:lstStyle/>
+          <a:p>
+            <a:pPr algn="ctr"/>
+            <a:endParaRPr lang="es-MX"/>
+          </a:p>
+        </p:txBody>
+      </p:sp>
+      <p:sp>
+        <p:nvSpPr>
+          <p:cNvPr id="5" name="Elipse 4">
+            <a:extLst>
+              <a:ext uri="{FF2B5EF4-FFF2-40B4-BE49-F238E27FC236}">
+                <a16:creationId xmlns:a16="http://schemas.microsoft.com/office/drawing/2014/main" id="{EBE406DD-3B6B-4C3B-BB45-AE8D596A12EC}"/>
+              </a:ext>
+            </a:extLst>
+          </p:cNvPr>
+          <p:cNvSpPr/>
+          <p:nvPr/>
+        </p:nvSpPr>
+        <p:spPr>
+          <a:xfrm>
+            <a:off x="8267725" y="3885337"/>
+            <a:ext cx="612000" cy="612000"/>
+          </a:xfrm>
+          <a:prstGeom prst="ellipse">
+            <a:avLst/>
+          </a:prstGeom>
+          <a:solidFill>
+            <a:schemeClr val="accent1">
+              <a:lumMod val="50000"/>
+            </a:schemeClr>
+          </a:solidFill>
+          <a:ln>
+            <a:noFill/>
+          </a:ln>
+        </p:spPr>
+        <p:style>
+          <a:lnRef idx="2">
+            <a:schemeClr val="accent1">
+              <a:shade val="50000"/>
+            </a:schemeClr>
+          </a:lnRef>
+          <a:fillRef idx="1">
+            <a:schemeClr val="accent1"/>
+          </a:fillRef>
+          <a:effectRef idx="0">
+            <a:schemeClr val="accent1"/>
+          </a:effectRef>
+          <a:fontRef idx="minor">
+            <a:schemeClr val="lt1"/>
+          </a:fontRef>
+        </p:style>
+        <p:txBody>
+          <a:bodyPr rtlCol="0" anchor="ctr"/>
+          <a:lstStyle/>
+          <a:p>
+            <a:pPr algn="ctr"/>
+            <a:endParaRPr lang="es-MX"/>
+          </a:p>
+        </p:txBody>
+      </p:sp>
+      <p:sp>
+        <p:nvSpPr>
+          <p:cNvPr id="6" name="Elipse 5">
+            <a:extLst>
+              <a:ext uri="{FF2B5EF4-FFF2-40B4-BE49-F238E27FC236}">
+                <a16:creationId xmlns:a16="http://schemas.microsoft.com/office/drawing/2014/main" id="{077DC8F7-6CB5-4382-BACC-842E69BE763F}"/>
+              </a:ext>
+            </a:extLst>
+          </p:cNvPr>
+          <p:cNvSpPr/>
+          <p:nvPr/>
+        </p:nvSpPr>
+        <p:spPr>
+          <a:xfrm>
+            <a:off x="9400607" y="1203712"/>
+            <a:ext cx="612000" cy="612000"/>
+          </a:xfrm>
+          <a:prstGeom prst="ellipse">
+            <a:avLst/>
+          </a:prstGeom>
+          <a:solidFill>
+            <a:schemeClr val="accent1">
+              <a:lumMod val="50000"/>
+            </a:schemeClr>
+          </a:solidFill>
+          <a:ln>
+            <a:noFill/>
+          </a:ln>
+        </p:spPr>
+        <p:style>
+          <a:lnRef idx="2">
+            <a:schemeClr val="accent1">
+              <a:shade val="50000"/>
+            </a:schemeClr>
+          </a:lnRef>
+          <a:fillRef idx="1">
+            <a:schemeClr val="accent1"/>
+          </a:fillRef>
+          <a:effectRef idx="0">
+            <a:schemeClr val="accent1"/>
+          </a:effectRef>
+          <a:fontRef idx="minor">
+            <a:schemeClr val="lt1"/>
+          </a:fontRef>
+        </p:style>
+        <p:txBody>
+          <a:bodyPr rtlCol="0" anchor="ctr"/>
+          <a:lstStyle/>
+          <a:p>
+            <a:pPr algn="ctr"/>
+            <a:endParaRPr lang="es-MX"/>
+          </a:p>
+        </p:txBody>
+      </p:sp>
+      <p:sp>
+        <p:nvSpPr>
+          <p:cNvPr id="7" name="Elipse 6">
+            <a:extLst>
+              <a:ext uri="{FF2B5EF4-FFF2-40B4-BE49-F238E27FC236}">
+                <a16:creationId xmlns:a16="http://schemas.microsoft.com/office/drawing/2014/main" id="{7CFC99F9-DDB3-4A33-B725-657B9CE9D113}"/>
+              </a:ext>
+            </a:extLst>
+          </p:cNvPr>
+          <p:cNvSpPr/>
+          <p:nvPr/>
+        </p:nvSpPr>
+        <p:spPr>
+          <a:xfrm>
+            <a:off x="4155478" y="3885337"/>
+            <a:ext cx="612000" cy="612000"/>
+          </a:xfrm>
+          <a:prstGeom prst="ellipse">
+            <a:avLst/>
+          </a:prstGeom>
+          <a:solidFill>
+            <a:schemeClr val="accent1">
+              <a:lumMod val="50000"/>
+            </a:schemeClr>
+          </a:solidFill>
+          <a:ln>
+            <a:noFill/>
+          </a:ln>
+        </p:spPr>
+        <p:style>
+          <a:lnRef idx="2">
+            <a:schemeClr val="accent1">
+              <a:shade val="50000"/>
+            </a:schemeClr>
+          </a:lnRef>
+          <a:fillRef idx="1">
+            <a:schemeClr val="accent1"/>
+          </a:fillRef>
+          <a:effectRef idx="0">
+            <a:schemeClr val="accent1"/>
+          </a:effectRef>
+          <a:fontRef idx="minor">
+            <a:schemeClr val="lt1"/>
+          </a:fontRef>
+        </p:style>
+        <p:txBody>
+          <a:bodyPr rtlCol="0" anchor="ctr"/>
+          <a:lstStyle/>
+          <a:p>
+            <a:pPr algn="ctr"/>
+            <a:endParaRPr lang="es-MX"/>
+          </a:p>
+        </p:txBody>
+      </p:sp>
+      <p:cxnSp>
+        <p:nvCxnSpPr>
+          <p:cNvPr id="8" name="Conector recto 7">
+            <a:extLst>
+              <a:ext uri="{FF2B5EF4-FFF2-40B4-BE49-F238E27FC236}">
+                <a16:creationId xmlns:a16="http://schemas.microsoft.com/office/drawing/2014/main" id="{A3274EB5-D1A4-4984-95A9-3DCCF886ABB2}"/>
+              </a:ext>
+            </a:extLst>
+          </p:cNvPr>
+          <p:cNvCxnSpPr>
+            <a:cxnSpLocks/>
+            <a:stCxn id="3" idx="6"/>
+            <a:endCxn id="6" idx="2"/>
+          </p:cNvCxnSpPr>
+          <p:nvPr/>
+        </p:nvCxnSpPr>
+        <p:spPr>
+          <a:xfrm flipV="1">
+            <a:off x="4274251" y="1509712"/>
+            <a:ext cx="5126356" cy="576259"/>
+          </a:xfrm>
+          <a:prstGeom prst="line">
+            <a:avLst/>
+          </a:prstGeom>
+          <a:ln w="19050">
+            <a:solidFill>
+              <a:schemeClr val="tx1"/>
+            </a:solidFill>
+          </a:ln>
+        </p:spPr>
+        <p:style>
+          <a:lnRef idx="1">
+            <a:schemeClr val="accent1"/>
+          </a:lnRef>
+          <a:fillRef idx="0">
+            <a:schemeClr val="accent1"/>
+          </a:fillRef>
+          <a:effectRef idx="0">
+            <a:schemeClr val="accent1"/>
+          </a:effectRef>
+          <a:fontRef idx="minor">
+            <a:schemeClr val="tx1"/>
+          </a:fontRef>
+        </p:style>
+      </p:cxnSp>
+      <p:cxnSp>
+        <p:nvCxnSpPr>
+          <p:cNvPr id="9" name="Conector recto 8">
+            <a:extLst>
+              <a:ext uri="{FF2B5EF4-FFF2-40B4-BE49-F238E27FC236}">
+                <a16:creationId xmlns:a16="http://schemas.microsoft.com/office/drawing/2014/main" id="{E11F6E97-A2CF-4C85-8501-DD5DB5A5958B}"/>
+              </a:ext>
+            </a:extLst>
+          </p:cNvPr>
+          <p:cNvCxnSpPr>
+            <a:cxnSpLocks/>
+            <a:stCxn id="6" idx="6"/>
+            <a:endCxn id="4" idx="2"/>
+          </p:cNvCxnSpPr>
+          <p:nvPr/>
+        </p:nvCxnSpPr>
+        <p:spPr>
+          <a:xfrm>
+            <a:off x="10012607" y="1509712"/>
+            <a:ext cx="431258" cy="1556434"/>
+          </a:xfrm>
+          <a:prstGeom prst="line">
+            <a:avLst/>
+          </a:prstGeom>
+          <a:ln w="19050">
+            <a:solidFill>
+              <a:schemeClr val="tx1"/>
+            </a:solidFill>
+          </a:ln>
+        </p:spPr>
+        <p:style>
+          <a:lnRef idx="1">
+            <a:schemeClr val="accent1"/>
+          </a:lnRef>
+          <a:fillRef idx="0">
+            <a:schemeClr val="accent1"/>
+          </a:fillRef>
+          <a:effectRef idx="0">
+            <a:schemeClr val="accent1"/>
+          </a:effectRef>
+          <a:fontRef idx="minor">
+            <a:schemeClr val="tx1"/>
+          </a:fontRef>
+        </p:style>
+      </p:cxnSp>
+      <p:cxnSp>
+        <p:nvCxnSpPr>
+          <p:cNvPr id="10" name="Conector recto 9">
+            <a:extLst>
+              <a:ext uri="{FF2B5EF4-FFF2-40B4-BE49-F238E27FC236}">
+                <a16:creationId xmlns:a16="http://schemas.microsoft.com/office/drawing/2014/main" id="{11614436-DED6-4484-8C98-AEAF35C3022D}"/>
+              </a:ext>
+            </a:extLst>
+          </p:cNvPr>
+          <p:cNvCxnSpPr>
+            <a:cxnSpLocks/>
+            <a:stCxn id="5" idx="6"/>
+            <a:endCxn id="4" idx="3"/>
+          </p:cNvCxnSpPr>
+          <p:nvPr/>
+        </p:nvCxnSpPr>
+        <p:spPr>
+          <a:xfrm flipV="1">
+            <a:off x="8879725" y="3282521"/>
+            <a:ext cx="1653765" cy="908816"/>
+          </a:xfrm>
+          <a:prstGeom prst="line">
+            <a:avLst/>
+          </a:prstGeom>
+          <a:ln w="19050">
+            <a:solidFill>
+              <a:schemeClr val="tx1"/>
+            </a:solidFill>
+          </a:ln>
+        </p:spPr>
+        <p:style>
+          <a:lnRef idx="1">
+            <a:schemeClr val="accent1"/>
+          </a:lnRef>
+          <a:fillRef idx="0">
+            <a:schemeClr val="accent1"/>
+          </a:fillRef>
+          <a:effectRef idx="0">
+            <a:schemeClr val="accent1"/>
+          </a:effectRef>
+          <a:fontRef idx="minor">
+            <a:schemeClr val="tx1"/>
+          </a:fontRef>
+        </p:style>
+      </p:cxnSp>
+      <p:cxnSp>
+        <p:nvCxnSpPr>
+          <p:cNvPr id="11" name="Conector recto 10">
+            <a:extLst>
+              <a:ext uri="{FF2B5EF4-FFF2-40B4-BE49-F238E27FC236}">
+                <a16:creationId xmlns:a16="http://schemas.microsoft.com/office/drawing/2014/main" id="{404DE6A9-8147-49D3-B011-79BD44FDB43C}"/>
+              </a:ext>
+            </a:extLst>
+          </p:cNvPr>
+          <p:cNvCxnSpPr>
+            <a:cxnSpLocks/>
+            <a:stCxn id="5" idx="2"/>
+            <a:endCxn id="7" idx="6"/>
+          </p:cNvCxnSpPr>
+          <p:nvPr/>
+        </p:nvCxnSpPr>
+        <p:spPr>
+          <a:xfrm flipH="1">
+            <a:off x="4767478" y="4191337"/>
+            <a:ext cx="3500247" cy="0"/>
+          </a:xfrm>
+          <a:prstGeom prst="line">
+            <a:avLst/>
+          </a:prstGeom>
+          <a:ln w="19050">
+            <a:solidFill>
+              <a:schemeClr val="tx1"/>
+            </a:solidFill>
+          </a:ln>
+        </p:spPr>
+        <p:style>
+          <a:lnRef idx="1">
+            <a:schemeClr val="accent1"/>
+          </a:lnRef>
+          <a:fillRef idx="0">
+            <a:schemeClr val="accent1"/>
+          </a:fillRef>
+          <a:effectRef idx="0">
+            <a:schemeClr val="accent1"/>
+          </a:effectRef>
+          <a:fontRef idx="minor">
+            <a:schemeClr val="tx1"/>
+          </a:fontRef>
+        </p:style>
+      </p:cxnSp>
+      <p:cxnSp>
+        <p:nvCxnSpPr>
+          <p:cNvPr id="12" name="Conector recto 11">
+            <a:extLst>
+              <a:ext uri="{FF2B5EF4-FFF2-40B4-BE49-F238E27FC236}">
+                <a16:creationId xmlns:a16="http://schemas.microsoft.com/office/drawing/2014/main" id="{283140A7-27C7-497E-B372-2ED0082A1B2B}"/>
+              </a:ext>
+            </a:extLst>
+          </p:cNvPr>
+          <p:cNvCxnSpPr>
+            <a:cxnSpLocks/>
+            <a:stCxn id="7" idx="0"/>
+            <a:endCxn id="3" idx="4"/>
+          </p:cNvCxnSpPr>
+          <p:nvPr/>
+        </p:nvCxnSpPr>
+        <p:spPr>
+          <a:xfrm flipH="1" flipV="1">
+            <a:off x="3968251" y="2391971"/>
+            <a:ext cx="493227" cy="1493366"/>
+          </a:xfrm>
+          <a:prstGeom prst="line">
+            <a:avLst/>
+          </a:prstGeom>
+          <a:ln w="19050">
+            <a:solidFill>
+              <a:schemeClr val="tx1"/>
+            </a:solidFill>
+          </a:ln>
+        </p:spPr>
+        <p:style>
+          <a:lnRef idx="1">
+            <a:schemeClr val="accent1"/>
+          </a:lnRef>
+          <a:fillRef idx="0">
+            <a:schemeClr val="accent1"/>
+          </a:fillRef>
+          <a:effectRef idx="0">
+            <a:schemeClr val="accent1"/>
+          </a:effectRef>
+          <a:fontRef idx="minor">
+            <a:schemeClr val="tx1"/>
+          </a:fontRef>
+        </p:style>
+      </p:cxnSp>
+      <p:cxnSp>
+        <p:nvCxnSpPr>
+          <p:cNvPr id="13" name="Conector recto 12">
+            <a:extLst>
+              <a:ext uri="{FF2B5EF4-FFF2-40B4-BE49-F238E27FC236}">
+                <a16:creationId xmlns:a16="http://schemas.microsoft.com/office/drawing/2014/main" id="{6760C0BB-2480-4EC7-A471-6303A729E1B2}"/>
+              </a:ext>
+            </a:extLst>
+          </p:cNvPr>
+          <p:cNvCxnSpPr>
+            <a:cxnSpLocks/>
+            <a:stCxn id="7" idx="2"/>
+          </p:cNvCxnSpPr>
+          <p:nvPr/>
+        </p:nvCxnSpPr>
+        <p:spPr>
+          <a:xfrm flipH="1" flipV="1">
+            <a:off x="3169025" y="3242921"/>
+            <a:ext cx="986453" cy="948416"/>
+          </a:xfrm>
+          <a:prstGeom prst="line">
+            <a:avLst/>
+          </a:prstGeom>
+          <a:ln w="19050">
+            <a:solidFill>
+              <a:schemeClr val="tx1"/>
+            </a:solidFill>
+          </a:ln>
+        </p:spPr>
+        <p:style>
+          <a:lnRef idx="1">
+            <a:schemeClr val="accent1"/>
+          </a:lnRef>
+          <a:fillRef idx="0">
+            <a:schemeClr val="accent1"/>
+          </a:fillRef>
+          <a:effectRef idx="0">
+            <a:schemeClr val="accent1"/>
+          </a:effectRef>
+          <a:fontRef idx="minor">
+            <a:schemeClr val="tx1"/>
+          </a:fontRef>
+        </p:style>
+      </p:cxnSp>
+      <p:cxnSp>
+        <p:nvCxnSpPr>
+          <p:cNvPr id="14" name="Conector recto 13">
+            <a:extLst>
+              <a:ext uri="{FF2B5EF4-FFF2-40B4-BE49-F238E27FC236}">
+                <a16:creationId xmlns:a16="http://schemas.microsoft.com/office/drawing/2014/main" id="{B1D82E86-077B-4704-9683-51E292892695}"/>
+              </a:ext>
+            </a:extLst>
+          </p:cNvPr>
+          <p:cNvCxnSpPr>
+            <a:cxnSpLocks/>
+            <a:stCxn id="16" idx="7"/>
+            <a:endCxn id="3" idx="2"/>
+          </p:cNvCxnSpPr>
+          <p:nvPr/>
+        </p:nvCxnSpPr>
+        <p:spPr>
+          <a:xfrm flipV="1">
+            <a:off x="3269435" y="2085971"/>
+            <a:ext cx="392816" cy="763800"/>
+          </a:xfrm>
+          <a:prstGeom prst="line">
+            <a:avLst/>
+          </a:prstGeom>
+          <a:ln w="19050">
+            <a:solidFill>
+              <a:schemeClr val="tx1"/>
+            </a:solidFill>
+          </a:ln>
+        </p:spPr>
+        <p:style>
+          <a:lnRef idx="1">
+            <a:schemeClr val="accent1"/>
+          </a:lnRef>
+          <a:fillRef idx="0">
+            <a:schemeClr val="accent1"/>
+          </a:fillRef>
+          <a:effectRef idx="0">
+            <a:schemeClr val="accent1"/>
+          </a:effectRef>
+          <a:fontRef idx="minor">
+            <a:schemeClr val="tx1"/>
+          </a:fontRef>
+        </p:style>
+      </p:cxnSp>
+      <p:cxnSp>
+        <p:nvCxnSpPr>
+          <p:cNvPr id="15" name="Conector recto 14">
+            <a:extLst>
+              <a:ext uri="{FF2B5EF4-FFF2-40B4-BE49-F238E27FC236}">
+                <a16:creationId xmlns:a16="http://schemas.microsoft.com/office/drawing/2014/main" id="{252C17F4-595F-4DD3-8687-4514D828F19B}"/>
+              </a:ext>
+            </a:extLst>
+          </p:cNvPr>
+          <p:cNvCxnSpPr>
+            <a:cxnSpLocks/>
+            <a:stCxn id="5" idx="0"/>
+            <a:endCxn id="34" idx="3"/>
+          </p:cNvCxnSpPr>
+          <p:nvPr/>
+        </p:nvCxnSpPr>
+        <p:spPr>
+          <a:xfrm flipV="1">
+            <a:off x="8573725" y="2824721"/>
+            <a:ext cx="245347" cy="1060616"/>
+          </a:xfrm>
+          <a:prstGeom prst="line">
+            <a:avLst/>
+          </a:prstGeom>
+          <a:ln w="19050">
+            <a:solidFill>
+              <a:schemeClr val="tx1"/>
+            </a:solidFill>
+          </a:ln>
+        </p:spPr>
+        <p:style>
+          <a:lnRef idx="1">
+            <a:schemeClr val="accent1"/>
+          </a:lnRef>
+          <a:fillRef idx="0">
+            <a:schemeClr val="accent1"/>
+          </a:fillRef>
+          <a:effectRef idx="0">
+            <a:schemeClr val="accent1"/>
+          </a:effectRef>
+          <a:fontRef idx="minor">
+            <a:schemeClr val="tx1"/>
+          </a:fontRef>
+        </p:style>
+      </p:cxnSp>
+      <p:sp>
+        <p:nvSpPr>
+          <p:cNvPr id="16" name="Elipse 15">
+            <a:extLst>
+              <a:ext uri="{FF2B5EF4-FFF2-40B4-BE49-F238E27FC236}">
+                <a16:creationId xmlns:a16="http://schemas.microsoft.com/office/drawing/2014/main" id="{D746B895-3ACF-4A54-B64B-1022B6942786}"/>
+              </a:ext>
+            </a:extLst>
+          </p:cNvPr>
+          <p:cNvSpPr/>
+          <p:nvPr/>
+        </p:nvSpPr>
+        <p:spPr>
+          <a:xfrm>
+            <a:off x="2747060" y="2760146"/>
+            <a:ext cx="612000" cy="612000"/>
+          </a:xfrm>
+          <a:prstGeom prst="ellipse">
+            <a:avLst/>
+          </a:prstGeom>
+          <a:solidFill>
+            <a:schemeClr val="accent1">
+              <a:lumMod val="50000"/>
+            </a:schemeClr>
+          </a:solidFill>
+          <a:ln>
+            <a:noFill/>
+          </a:ln>
+        </p:spPr>
+        <p:style>
+          <a:lnRef idx="2">
+            <a:schemeClr val="accent1">
+              <a:shade val="50000"/>
+            </a:schemeClr>
+          </a:lnRef>
+          <a:fillRef idx="1">
+            <a:schemeClr val="accent1"/>
+          </a:fillRef>
+          <a:effectRef idx="0">
+            <a:schemeClr val="accent1"/>
+          </a:effectRef>
+          <a:fontRef idx="minor">
+            <a:schemeClr val="lt1"/>
+          </a:fontRef>
+        </p:style>
+        <p:txBody>
+          <a:bodyPr rtlCol="0" anchor="ctr"/>
+          <a:lstStyle/>
+          <a:p>
+            <a:pPr algn="ctr"/>
+            <a:endParaRPr lang="es-MX"/>
+          </a:p>
+        </p:txBody>
+      </p:sp>
+      <p:cxnSp>
+        <p:nvCxnSpPr>
+          <p:cNvPr id="20" name="Conector recto de flecha 19">
+            <a:extLst>
+              <a:ext uri="{FF2B5EF4-FFF2-40B4-BE49-F238E27FC236}">
+                <a16:creationId xmlns:a16="http://schemas.microsoft.com/office/drawing/2014/main" id="{64ACFB09-5865-4C9A-9F49-848B75712E42}"/>
+              </a:ext>
+            </a:extLst>
+          </p:cNvPr>
+          <p:cNvCxnSpPr/>
+          <p:nvPr/>
+        </p:nvCxnSpPr>
+        <p:spPr>
+          <a:xfrm>
+            <a:off x="1857375" y="5348287"/>
+            <a:ext cx="9677400" cy="0"/>
+          </a:xfrm>
+          <a:prstGeom prst="straightConnector1">
+            <a:avLst/>
+          </a:prstGeom>
+          <a:ln w="76200">
+            <a:solidFill>
+              <a:schemeClr val="tx1"/>
+            </a:solidFill>
+            <a:tailEnd type="triangle"/>
+          </a:ln>
+        </p:spPr>
+        <p:style>
+          <a:lnRef idx="1">
+            <a:schemeClr val="accent1"/>
+          </a:lnRef>
+          <a:fillRef idx="0">
+            <a:schemeClr val="accent1"/>
+          </a:fillRef>
+          <a:effectRef idx="0">
+            <a:schemeClr val="accent1"/>
+          </a:effectRef>
+          <a:fontRef idx="minor">
+            <a:schemeClr val="tx1"/>
+          </a:fontRef>
+        </p:style>
+      </p:cxnSp>
+      <p:cxnSp>
+        <p:nvCxnSpPr>
+          <p:cNvPr id="22" name="Conector recto 21">
+            <a:extLst>
+              <a:ext uri="{FF2B5EF4-FFF2-40B4-BE49-F238E27FC236}">
+                <a16:creationId xmlns:a16="http://schemas.microsoft.com/office/drawing/2014/main" id="{BBF0DF5C-9817-47A2-9867-3C5A34CE69F4}"/>
+              </a:ext>
+            </a:extLst>
+          </p:cNvPr>
+          <p:cNvCxnSpPr/>
+          <p:nvPr/>
+        </p:nvCxnSpPr>
+        <p:spPr>
+          <a:xfrm>
+            <a:off x="6472876" y="5133975"/>
+            <a:ext cx="0" cy="428625"/>
+          </a:xfrm>
+          <a:prstGeom prst="line">
+            <a:avLst/>
+          </a:prstGeom>
+          <a:ln w="28575">
+            <a:solidFill>
+              <a:schemeClr val="tx1"/>
+            </a:solidFill>
+          </a:ln>
+        </p:spPr>
+        <p:style>
+          <a:lnRef idx="1">
+            <a:schemeClr val="accent1"/>
+          </a:lnRef>
+          <a:fillRef idx="0">
+            <a:schemeClr val="accent1"/>
+          </a:fillRef>
+          <a:effectRef idx="0">
+            <a:schemeClr val="accent1"/>
+          </a:effectRef>
+          <a:fontRef idx="minor">
+            <a:schemeClr val="tx1"/>
+          </a:fontRef>
+        </p:style>
+      </p:cxnSp>
+      <p:pic>
+        <p:nvPicPr>
+          <p:cNvPr id="1026" name="Picture 2" descr="Real number - Wikipedia">
+            <a:extLst>
+              <a:ext uri="{FF2B5EF4-FFF2-40B4-BE49-F238E27FC236}">
+                <a16:creationId xmlns:a16="http://schemas.microsoft.com/office/drawing/2014/main" id="{DC7849A5-6876-4F75-B449-DCCBBD66C69B}"/>
+              </a:ext>
+            </a:extLst>
+          </p:cNvPr>
+          <p:cNvPicPr>
+            <a:picLocks noChangeAspect="1" noChangeArrowheads="1"/>
+          </p:cNvPicPr>
+          <p:nvPr/>
+        </p:nvPicPr>
+        <p:blipFill>
+          <a:blip r:embed="rId2">
+            <a:extLst>
+              <a:ext uri="{28A0092B-C50C-407E-A947-70E740481C1C}">
+                <a14:useLocalDpi xmlns:a14="http://schemas.microsoft.com/office/drawing/2010/main" val="0"/>
+              </a:ext>
+            </a:extLst>
+          </a:blip>
+          <a:srcRect/>
+          <a:stretch>
+            <a:fillRect/>
+          </a:stretch>
+        </p:blipFill>
+        <p:spPr bwMode="auto">
+          <a:xfrm>
+            <a:off x="1573575" y="5240908"/>
+            <a:ext cx="216000" cy="214758"/>
+          </a:xfrm>
+          <a:prstGeom prst="rect">
+            <a:avLst/>
+          </a:prstGeom>
+          <a:noFill/>
+          <a:extLst>
+            <a:ext uri="{909E8E84-426E-40DD-AFC4-6F175D3DCCD1}">
+              <a14:hiddenFill xmlns:a14="http://schemas.microsoft.com/office/drawing/2010/main">
+                <a:solidFill>
+                  <a:srgbClr val="FFFFFF"/>
+                </a:solidFill>
+              </a14:hiddenFill>
+            </a:ext>
+          </a:extLst>
+        </p:spPr>
+      </p:pic>
+      <p:sp>
+        <p:nvSpPr>
+          <p:cNvPr id="34" name="Elipse 33">
+            <a:extLst>
+              <a:ext uri="{FF2B5EF4-FFF2-40B4-BE49-F238E27FC236}">
+                <a16:creationId xmlns:a16="http://schemas.microsoft.com/office/drawing/2014/main" id="{588A816A-A6D3-4784-81AD-D5AFCBC5A2C2}"/>
+              </a:ext>
+            </a:extLst>
+          </p:cNvPr>
+          <p:cNvSpPr/>
+          <p:nvPr/>
+        </p:nvSpPr>
+        <p:spPr>
+          <a:xfrm>
+            <a:off x="8729447" y="2302346"/>
+            <a:ext cx="612000" cy="612000"/>
+          </a:xfrm>
+          <a:prstGeom prst="ellipse">
+            <a:avLst/>
+          </a:prstGeom>
+          <a:solidFill>
+            <a:schemeClr val="accent1">
+              <a:lumMod val="50000"/>
+            </a:schemeClr>
+          </a:solidFill>
+          <a:ln>
+            <a:noFill/>
+          </a:ln>
+        </p:spPr>
+        <p:style>
+          <a:lnRef idx="2">
+            <a:schemeClr val="accent1">
+              <a:shade val="50000"/>
+            </a:schemeClr>
+          </a:lnRef>
+          <a:fillRef idx="1">
+            <a:schemeClr val="accent1"/>
+          </a:fillRef>
+          <a:effectRef idx="0">
+            <a:schemeClr val="accent1"/>
+          </a:effectRef>
+          <a:fontRef idx="minor">
+            <a:schemeClr val="lt1"/>
+          </a:fontRef>
+        </p:style>
+        <p:txBody>
+          <a:bodyPr rtlCol="0" anchor="ctr"/>
+          <a:lstStyle/>
+          <a:p>
+            <a:pPr algn="ctr"/>
+            <a:endParaRPr lang="es-MX"/>
+          </a:p>
+        </p:txBody>
+      </p:sp>
+      <p:cxnSp>
+        <p:nvCxnSpPr>
+          <p:cNvPr id="36" name="Conector recto 35">
+            <a:extLst>
+              <a:ext uri="{FF2B5EF4-FFF2-40B4-BE49-F238E27FC236}">
+                <a16:creationId xmlns:a16="http://schemas.microsoft.com/office/drawing/2014/main" id="{44B9B1EF-B687-49D0-B63A-B3CA9CDB88C2}"/>
+              </a:ext>
+            </a:extLst>
+          </p:cNvPr>
+          <p:cNvCxnSpPr>
+            <a:cxnSpLocks/>
+            <a:stCxn id="34" idx="7"/>
+            <a:endCxn id="6" idx="3"/>
+          </p:cNvCxnSpPr>
+          <p:nvPr/>
+        </p:nvCxnSpPr>
+        <p:spPr>
+          <a:xfrm flipV="1">
+            <a:off x="9251822" y="1726087"/>
+            <a:ext cx="238410" cy="665884"/>
+          </a:xfrm>
+          <a:prstGeom prst="line">
+            <a:avLst/>
+          </a:prstGeom>
+          <a:ln w="19050">
+            <a:solidFill>
+              <a:schemeClr val="tx1"/>
+            </a:solidFill>
+          </a:ln>
+        </p:spPr>
+        <p:style>
+          <a:lnRef idx="1">
+            <a:schemeClr val="accent1"/>
+          </a:lnRef>
+          <a:fillRef idx="0">
+            <a:schemeClr val="accent1"/>
+          </a:fillRef>
+          <a:effectRef idx="0">
+            <a:schemeClr val="accent1"/>
+          </a:effectRef>
+          <a:fontRef idx="minor">
+            <a:schemeClr val="tx1"/>
+          </a:fontRef>
+        </p:style>
+      </p:cxnSp>
+      <p:cxnSp>
+        <p:nvCxnSpPr>
+          <p:cNvPr id="39" name="Conector recto 38">
+            <a:extLst>
+              <a:ext uri="{FF2B5EF4-FFF2-40B4-BE49-F238E27FC236}">
+                <a16:creationId xmlns:a16="http://schemas.microsoft.com/office/drawing/2014/main" id="{A18609B5-8B43-426D-BA51-317A335CCCC9}"/>
+              </a:ext>
+            </a:extLst>
+          </p:cNvPr>
+          <p:cNvCxnSpPr/>
+          <p:nvPr/>
+        </p:nvCxnSpPr>
+        <p:spPr>
+          <a:xfrm>
+            <a:off x="4461478" y="4233862"/>
+            <a:ext cx="0" cy="1428750"/>
+          </a:xfrm>
+          <a:prstGeom prst="line">
+            <a:avLst/>
+          </a:prstGeom>
+          <a:ln w="28575">
+            <a:solidFill>
+              <a:srgbClr val="FF0000"/>
+            </a:solidFill>
+            <a:prstDash val="dash"/>
+          </a:ln>
+        </p:spPr>
+        <p:style>
+          <a:lnRef idx="1">
+            <a:schemeClr val="accent1"/>
+          </a:lnRef>
+          <a:fillRef idx="0">
+            <a:schemeClr val="accent1"/>
+          </a:fillRef>
+          <a:effectRef idx="0">
+            <a:schemeClr val="accent1"/>
+          </a:effectRef>
+          <a:fontRef idx="minor">
+            <a:schemeClr val="tx1"/>
+          </a:fontRef>
+        </p:style>
+      </p:cxnSp>
+      <p:cxnSp>
+        <p:nvCxnSpPr>
+          <p:cNvPr id="41" name="Conector recto 40">
+            <a:extLst>
+              <a:ext uri="{FF2B5EF4-FFF2-40B4-BE49-F238E27FC236}">
+                <a16:creationId xmlns:a16="http://schemas.microsoft.com/office/drawing/2014/main" id="{9319C6D2-D9BB-43B7-A189-106DF18974D9}"/>
+              </a:ext>
+            </a:extLst>
+          </p:cNvPr>
+          <p:cNvCxnSpPr/>
+          <p:nvPr/>
+        </p:nvCxnSpPr>
+        <p:spPr>
+          <a:xfrm>
+            <a:off x="8573725" y="4233862"/>
+            <a:ext cx="0" cy="1428750"/>
+          </a:xfrm>
+          <a:prstGeom prst="line">
+            <a:avLst/>
+          </a:prstGeom>
+          <a:ln w="28575">
+            <a:solidFill>
+              <a:srgbClr val="FF0000"/>
+            </a:solidFill>
+            <a:prstDash val="dash"/>
+          </a:ln>
+        </p:spPr>
+        <p:style>
+          <a:lnRef idx="1">
+            <a:schemeClr val="accent1"/>
+          </a:lnRef>
+          <a:fillRef idx="0">
+            <a:schemeClr val="accent1"/>
+          </a:fillRef>
+          <a:effectRef idx="0">
+            <a:schemeClr val="accent1"/>
+          </a:effectRef>
+          <a:fontRef idx="minor">
+            <a:schemeClr val="tx1"/>
+          </a:fontRef>
+        </p:style>
+      </p:cxnSp>
+      <p:pic>
+        <p:nvPicPr>
+          <p:cNvPr id="40" name="Imagen 39">
+            <a:extLst>
+              <a:ext uri="{FF2B5EF4-FFF2-40B4-BE49-F238E27FC236}">
+                <a16:creationId xmlns:a16="http://schemas.microsoft.com/office/drawing/2014/main" id="{AF97F848-A41E-423A-9A1D-850A37B171CC}"/>
+              </a:ext>
+            </a:extLst>
+          </p:cNvPr>
+          <p:cNvPicPr>
+            <a:picLocks noChangeAspect="1"/>
+          </p:cNvPicPr>
+          <p:nvPr/>
+        </p:nvPicPr>
+        <p:blipFill>
+          <a:blip r:embed="rId3"/>
+          <a:stretch>
+            <a:fillRect/>
+          </a:stretch>
+        </p:blipFill>
+        <p:spPr>
+          <a:xfrm>
+            <a:off x="4290132" y="5737238"/>
+            <a:ext cx="342692" cy="360000"/>
+          </a:xfrm>
+          <a:prstGeom prst="rect">
+            <a:avLst/>
+          </a:prstGeom>
+        </p:spPr>
+      </p:pic>
+      <p:pic>
+        <p:nvPicPr>
+          <p:cNvPr id="44" name="Imagen 43">
+            <a:extLst>
+              <a:ext uri="{FF2B5EF4-FFF2-40B4-BE49-F238E27FC236}">
+                <a16:creationId xmlns:a16="http://schemas.microsoft.com/office/drawing/2014/main" id="{60D7DFBB-BD7C-4230-8A01-02FBAFAB73DD}"/>
+              </a:ext>
+            </a:extLst>
+          </p:cNvPr>
+          <p:cNvPicPr>
+            <a:picLocks noChangeAspect="1"/>
+          </p:cNvPicPr>
+          <p:nvPr/>
+        </p:nvPicPr>
+        <p:blipFill>
+          <a:blip r:embed="rId4"/>
+          <a:stretch>
+            <a:fillRect/>
+          </a:stretch>
+        </p:blipFill>
+        <p:spPr>
+          <a:xfrm>
+            <a:off x="8411537" y="5721167"/>
+            <a:ext cx="360000" cy="392143"/>
+          </a:xfrm>
+          <a:prstGeom prst="rect">
+            <a:avLst/>
+          </a:prstGeom>
+        </p:spPr>
+      </p:pic>
+      <p:pic>
+        <p:nvPicPr>
+          <p:cNvPr id="45" name="Imagen 44">
+            <a:extLst>
+              <a:ext uri="{FF2B5EF4-FFF2-40B4-BE49-F238E27FC236}">
+                <a16:creationId xmlns:a16="http://schemas.microsoft.com/office/drawing/2014/main" id="{27C6BE3C-92FA-4164-96F9-868F4BE305EB}"/>
+              </a:ext>
+            </a:extLst>
+          </p:cNvPr>
+          <p:cNvPicPr>
+            <a:picLocks noChangeAspect="1"/>
+          </p:cNvPicPr>
+          <p:nvPr/>
+        </p:nvPicPr>
+        <p:blipFill>
+          <a:blip r:embed="rId5"/>
+          <a:stretch>
+            <a:fillRect/>
+          </a:stretch>
+        </p:blipFill>
+        <p:spPr>
+          <a:xfrm>
+            <a:off x="6292876" y="5733743"/>
+            <a:ext cx="360000" cy="366990"/>
+          </a:xfrm>
+          <a:prstGeom prst="rect">
+            <a:avLst/>
+          </a:prstGeom>
+        </p:spPr>
+      </p:pic>
+    </p:spTree>
+    <p:extLst>
+      <p:ext uri="{BB962C8B-B14F-4D97-AF65-F5344CB8AC3E}">
+        <p14:creationId xmlns:p14="http://schemas.microsoft.com/office/powerpoint/2010/main" val="2582325615"/>
+      </p:ext>
+    </p:extLst>
+  </p:cSld>
+  <p:clrMapOvr>
+    <a:masterClrMapping/>
+  </p:clrMapOvr>
+</p:sld>
+</file>
+
+<file path=ppt/slides/slide14.xml><?xml version="1.0" encoding="utf-8"?>
+<p:sld xmlns:a="http://schemas.openxmlformats.org/drawingml/2006/main" xmlns:r="http://schemas.openxmlformats.org/officeDocument/2006/relationships" xmlns:p="http://schemas.openxmlformats.org/presentationml/2006/main">
+  <p:cSld>
+    <p:spTree>
+      <p:nvGrpSpPr>
+        <p:cNvPr id="1" name=""/>
+        <p:cNvGrpSpPr/>
+        <p:nvPr/>
+      </p:nvGrpSpPr>
+      <p:grpSpPr>
+        <a:xfrm>
+          <a:off x="0" y="0"/>
+          <a:ext cx="0" cy="0"/>
+          <a:chOff x="0" y="0"/>
+          <a:chExt cx="0" cy="0"/>
+        </a:xfrm>
+      </p:grpSpPr>
+      <p:grpSp>
+        <p:nvGrpSpPr>
+          <p:cNvPr id="2" name="Grupo 1">
+            <a:extLst>
+              <a:ext uri="{FF2B5EF4-FFF2-40B4-BE49-F238E27FC236}">
+                <a16:creationId xmlns:a16="http://schemas.microsoft.com/office/drawing/2014/main" id="{8A0BE43F-948E-43F2-9B8E-30E04DEF5752}"/>
+              </a:ext>
+            </a:extLst>
+          </p:cNvPr>
+          <p:cNvGrpSpPr/>
+          <p:nvPr/>
+        </p:nvGrpSpPr>
+        <p:grpSpPr>
+          <a:xfrm>
+            <a:off x="3451424" y="1977960"/>
+            <a:ext cx="6251891" cy="2594890"/>
+            <a:chOff x="2336999" y="2344507"/>
+            <a:chExt cx="6251891" cy="2594890"/>
+          </a:xfrm>
+        </p:grpSpPr>
+        <p:sp>
+          <p:nvSpPr>
+            <p:cNvPr id="3" name="Elipse 2">
+              <a:extLst>
+                <a:ext uri="{FF2B5EF4-FFF2-40B4-BE49-F238E27FC236}">
+                  <a16:creationId xmlns:a16="http://schemas.microsoft.com/office/drawing/2014/main" id="{5700B7C0-9A24-4F85-9DFA-CE1093F96D12}"/>
+                </a:ext>
+              </a:extLst>
+            </p:cNvPr>
+            <p:cNvSpPr/>
+            <p:nvPr/>
+          </p:nvSpPr>
+          <p:spPr>
+            <a:xfrm>
+              <a:off x="3403003" y="2344507"/>
+              <a:ext cx="612000" cy="612000"/>
+            </a:xfrm>
+            <a:prstGeom prst="ellipse">
+              <a:avLst/>
+            </a:prstGeom>
+            <a:solidFill>
+              <a:schemeClr val="tx1"/>
+            </a:solidFill>
+            <a:ln>
+              <a:noFill/>
+            </a:ln>
+          </p:spPr>
+          <p:style>
+            <a:lnRef idx="2">
+              <a:schemeClr val="accent1">
+                <a:shade val="50000"/>
+              </a:schemeClr>
+            </a:lnRef>
+            <a:fillRef idx="1">
+              <a:schemeClr val="accent1"/>
+            </a:fillRef>
+            <a:effectRef idx="0">
+              <a:schemeClr val="accent1"/>
+            </a:effectRef>
+            <a:fontRef idx="minor">
+              <a:schemeClr val="lt1"/>
+            </a:fontRef>
+          </p:style>
+          <p:txBody>
+            <a:bodyPr rtlCol="0" anchor="ctr"/>
+            <a:lstStyle/>
+            <a:p>
+              <a:pPr algn="ctr"/>
+              <a:endParaRPr lang="es-MX"/>
+            </a:p>
+          </p:txBody>
+        </p:sp>
+        <p:sp>
+          <p:nvSpPr>
+            <p:cNvPr id="4" name="Elipse 3">
+              <a:extLst>
+                <a:ext uri="{FF2B5EF4-FFF2-40B4-BE49-F238E27FC236}">
+                  <a16:creationId xmlns:a16="http://schemas.microsoft.com/office/drawing/2014/main" id="{EF00E42F-096F-43F6-BA33-513E617A9490}"/>
+                </a:ext>
+              </a:extLst>
+            </p:cNvPr>
+            <p:cNvSpPr/>
+            <p:nvPr/>
+          </p:nvSpPr>
+          <p:spPr>
+            <a:xfrm>
+              <a:off x="7976890" y="3202206"/>
+              <a:ext cx="612000" cy="612000"/>
+            </a:xfrm>
+            <a:prstGeom prst="ellipse">
+              <a:avLst/>
+            </a:prstGeom>
+            <a:solidFill>
+              <a:schemeClr val="tx1"/>
+            </a:solidFill>
+            <a:ln>
+              <a:noFill/>
+            </a:ln>
+          </p:spPr>
+          <p:style>
+            <a:lnRef idx="2">
+              <a:schemeClr val="accent1">
+                <a:shade val="50000"/>
+              </a:schemeClr>
+            </a:lnRef>
+            <a:fillRef idx="1">
+              <a:schemeClr val="accent1"/>
+            </a:fillRef>
+            <a:effectRef idx="0">
+              <a:schemeClr val="accent1"/>
+            </a:effectRef>
+            <a:fontRef idx="minor">
+              <a:schemeClr val="lt1"/>
+            </a:fontRef>
+          </p:style>
+          <p:txBody>
+            <a:bodyPr rtlCol="0" anchor="ctr"/>
+            <a:lstStyle/>
+            <a:p>
+              <a:pPr algn="ctr"/>
+              <a:endParaRPr lang="es-MX"/>
+            </a:p>
+          </p:txBody>
+        </p:sp>
+        <p:sp>
+          <p:nvSpPr>
+            <p:cNvPr id="5" name="Elipse 4">
+              <a:extLst>
+                <a:ext uri="{FF2B5EF4-FFF2-40B4-BE49-F238E27FC236}">
+                  <a16:creationId xmlns:a16="http://schemas.microsoft.com/office/drawing/2014/main" id="{3E0EEEFA-5556-4A11-955B-A43D6212325A}"/>
+                </a:ext>
+              </a:extLst>
+            </p:cNvPr>
+            <p:cNvSpPr/>
+            <p:nvPr/>
+          </p:nvSpPr>
+          <p:spPr>
+            <a:xfrm>
+              <a:off x="5800750" y="4327397"/>
+              <a:ext cx="612000" cy="612000"/>
+            </a:xfrm>
+            <a:prstGeom prst="ellipse">
+              <a:avLst/>
+            </a:prstGeom>
+            <a:solidFill>
+              <a:schemeClr val="tx1"/>
+            </a:solidFill>
+            <a:ln>
+              <a:noFill/>
+            </a:ln>
+          </p:spPr>
+          <p:style>
+            <a:lnRef idx="2">
+              <a:schemeClr val="accent1">
+                <a:shade val="50000"/>
+              </a:schemeClr>
+            </a:lnRef>
+            <a:fillRef idx="1">
+              <a:schemeClr val="accent1"/>
+            </a:fillRef>
+            <a:effectRef idx="0">
+              <a:schemeClr val="accent1"/>
+            </a:effectRef>
+            <a:fontRef idx="minor">
+              <a:schemeClr val="lt1"/>
+            </a:fontRef>
+          </p:style>
+          <p:txBody>
+            <a:bodyPr rtlCol="0" anchor="ctr"/>
+            <a:lstStyle/>
+            <a:p>
+              <a:pPr algn="ctr"/>
+              <a:endParaRPr lang="es-MX"/>
+            </a:p>
+          </p:txBody>
+        </p:sp>
+        <p:sp>
+          <p:nvSpPr>
+            <p:cNvPr id="6" name="Elipse 5">
+              <a:extLst>
+                <a:ext uri="{FF2B5EF4-FFF2-40B4-BE49-F238E27FC236}">
+                  <a16:creationId xmlns:a16="http://schemas.microsoft.com/office/drawing/2014/main" id="{74BA5DA0-CA38-456C-A76F-EFCB682716F9}"/>
+                </a:ext>
+              </a:extLst>
+            </p:cNvPr>
+            <p:cNvSpPr/>
+            <p:nvPr/>
+          </p:nvSpPr>
+          <p:spPr>
+            <a:xfrm>
+              <a:off x="5800750" y="2344507"/>
+              <a:ext cx="612000" cy="612000"/>
+            </a:xfrm>
+            <a:prstGeom prst="ellipse">
+              <a:avLst/>
+            </a:prstGeom>
+            <a:solidFill>
+              <a:schemeClr val="tx1"/>
+            </a:solidFill>
+            <a:ln>
+              <a:noFill/>
+            </a:ln>
+          </p:spPr>
+          <p:style>
+            <a:lnRef idx="2">
+              <a:schemeClr val="accent1">
+                <a:shade val="50000"/>
+              </a:schemeClr>
+            </a:lnRef>
+            <a:fillRef idx="1">
+              <a:schemeClr val="accent1"/>
+            </a:fillRef>
+            <a:effectRef idx="0">
+              <a:schemeClr val="accent1"/>
+            </a:effectRef>
+            <a:fontRef idx="minor">
+              <a:schemeClr val="lt1"/>
+            </a:fontRef>
+          </p:style>
+          <p:txBody>
+            <a:bodyPr rtlCol="0" anchor="ctr"/>
+            <a:lstStyle/>
+            <a:p>
+              <a:pPr algn="ctr"/>
+              <a:endParaRPr lang="es-MX"/>
+            </a:p>
+          </p:txBody>
+        </p:sp>
+        <p:sp>
+          <p:nvSpPr>
+            <p:cNvPr id="7" name="Elipse 6">
+              <a:extLst>
+                <a:ext uri="{FF2B5EF4-FFF2-40B4-BE49-F238E27FC236}">
+                  <a16:creationId xmlns:a16="http://schemas.microsoft.com/office/drawing/2014/main" id="{CDC9E33D-87E6-4FA4-8A20-BC02EB81007D}"/>
+                </a:ext>
+              </a:extLst>
+            </p:cNvPr>
+            <p:cNvSpPr/>
+            <p:nvPr/>
+          </p:nvSpPr>
+          <p:spPr>
+            <a:xfrm>
+              <a:off x="3403003" y="4327397"/>
+              <a:ext cx="612000" cy="612000"/>
+            </a:xfrm>
+            <a:prstGeom prst="ellipse">
+              <a:avLst/>
+            </a:prstGeom>
+            <a:solidFill>
+              <a:schemeClr val="tx1"/>
+            </a:solidFill>
+            <a:ln>
+              <a:noFill/>
+            </a:ln>
+          </p:spPr>
+          <p:style>
+            <a:lnRef idx="2">
+              <a:schemeClr val="accent1">
+                <a:shade val="50000"/>
+              </a:schemeClr>
+            </a:lnRef>
+            <a:fillRef idx="1">
+              <a:schemeClr val="accent1"/>
+            </a:fillRef>
+            <a:effectRef idx="0">
+              <a:schemeClr val="accent1"/>
+            </a:effectRef>
+            <a:fontRef idx="minor">
+              <a:schemeClr val="lt1"/>
+            </a:fontRef>
+          </p:style>
+          <p:txBody>
+            <a:bodyPr rtlCol="0" anchor="ctr"/>
+            <a:lstStyle/>
+            <a:p>
+              <a:pPr algn="ctr"/>
+              <a:endParaRPr lang="es-MX"/>
+            </a:p>
+          </p:txBody>
+        </p:sp>
+        <p:cxnSp>
+          <p:nvCxnSpPr>
+            <p:cNvPr id="8" name="Conector recto 7">
+              <a:extLst>
+                <a:ext uri="{FF2B5EF4-FFF2-40B4-BE49-F238E27FC236}">
+                  <a16:creationId xmlns:a16="http://schemas.microsoft.com/office/drawing/2014/main" id="{2E919C56-BAB9-4667-98B1-8A3097589171}"/>
+                </a:ext>
+              </a:extLst>
+            </p:cNvPr>
+            <p:cNvCxnSpPr>
+              <a:cxnSpLocks/>
+              <a:stCxn id="3" idx="6"/>
+              <a:endCxn id="6" idx="2"/>
+            </p:cNvCxnSpPr>
+            <p:nvPr/>
+          </p:nvCxnSpPr>
+          <p:spPr>
+            <a:xfrm>
+              <a:off x="4015003" y="2650507"/>
+              <a:ext cx="1785747" cy="0"/>
+            </a:xfrm>
+            <a:prstGeom prst="line">
+              <a:avLst/>
+            </a:prstGeom>
+            <a:ln w="19050">
+              <a:solidFill>
+                <a:schemeClr val="tx1"/>
+              </a:solidFill>
+            </a:ln>
+          </p:spPr>
+          <p:style>
+            <a:lnRef idx="1">
+              <a:schemeClr val="accent1"/>
+            </a:lnRef>
+            <a:fillRef idx="0">
+              <a:schemeClr val="accent1"/>
+            </a:fillRef>
+            <a:effectRef idx="0">
+              <a:schemeClr val="accent1"/>
+            </a:effectRef>
+            <a:fontRef idx="minor">
+              <a:schemeClr val="tx1"/>
+            </a:fontRef>
+          </p:style>
+        </p:cxnSp>
+        <p:cxnSp>
+          <p:nvCxnSpPr>
+            <p:cNvPr id="9" name="Conector recto 8">
+              <a:extLst>
+                <a:ext uri="{FF2B5EF4-FFF2-40B4-BE49-F238E27FC236}">
+                  <a16:creationId xmlns:a16="http://schemas.microsoft.com/office/drawing/2014/main" id="{D5F93D22-9F7F-4A2E-B8A0-676EF562B584}"/>
+                </a:ext>
+              </a:extLst>
+            </p:cNvPr>
+            <p:cNvCxnSpPr>
+              <a:cxnSpLocks/>
+              <a:stCxn id="6" idx="6"/>
+              <a:endCxn id="4" idx="2"/>
+            </p:cNvCxnSpPr>
+            <p:nvPr/>
+          </p:nvCxnSpPr>
+          <p:spPr>
+            <a:xfrm>
+              <a:off x="6412750" y="2650507"/>
+              <a:ext cx="1564140" cy="857699"/>
+            </a:xfrm>
+            <a:prstGeom prst="line">
+              <a:avLst/>
+            </a:prstGeom>
+            <a:ln w="19050">
+              <a:solidFill>
+                <a:schemeClr val="tx1"/>
+              </a:solidFill>
+            </a:ln>
+          </p:spPr>
+          <p:style>
+            <a:lnRef idx="1">
+              <a:schemeClr val="accent1"/>
+            </a:lnRef>
+            <a:fillRef idx="0">
+              <a:schemeClr val="accent1"/>
+            </a:fillRef>
+            <a:effectRef idx="0">
+              <a:schemeClr val="accent1"/>
+            </a:effectRef>
+            <a:fontRef idx="minor">
+              <a:schemeClr val="tx1"/>
+            </a:fontRef>
+          </p:style>
+        </p:cxnSp>
+        <p:cxnSp>
+          <p:nvCxnSpPr>
+            <p:cNvPr id="10" name="Conector recto 9">
+              <a:extLst>
+                <a:ext uri="{FF2B5EF4-FFF2-40B4-BE49-F238E27FC236}">
+                  <a16:creationId xmlns:a16="http://schemas.microsoft.com/office/drawing/2014/main" id="{9EF96298-D53A-41DB-9713-727BD8150D4E}"/>
+                </a:ext>
+              </a:extLst>
+            </p:cNvPr>
+            <p:cNvCxnSpPr>
+              <a:cxnSpLocks/>
+              <a:stCxn id="5" idx="6"/>
+              <a:endCxn id="4" idx="3"/>
+            </p:cNvCxnSpPr>
+            <p:nvPr/>
+          </p:nvCxnSpPr>
+          <p:spPr>
+            <a:xfrm flipV="1">
+              <a:off x="6412750" y="3724581"/>
+              <a:ext cx="1653765" cy="908816"/>
+            </a:xfrm>
+            <a:prstGeom prst="line">
+              <a:avLst/>
+            </a:prstGeom>
+            <a:ln w="19050">
+              <a:solidFill>
+                <a:schemeClr val="tx1"/>
+              </a:solidFill>
+            </a:ln>
+          </p:spPr>
+          <p:style>
+            <a:lnRef idx="1">
+              <a:schemeClr val="accent1"/>
+            </a:lnRef>
+            <a:fillRef idx="0">
+              <a:schemeClr val="accent1"/>
+            </a:fillRef>
+            <a:effectRef idx="0">
+              <a:schemeClr val="accent1"/>
+            </a:effectRef>
+            <a:fontRef idx="minor">
+              <a:schemeClr val="tx1"/>
+            </a:fontRef>
+          </p:style>
+        </p:cxnSp>
+        <p:cxnSp>
+          <p:nvCxnSpPr>
+            <p:cNvPr id="11" name="Conector recto 10">
+              <a:extLst>
+                <a:ext uri="{FF2B5EF4-FFF2-40B4-BE49-F238E27FC236}">
+                  <a16:creationId xmlns:a16="http://schemas.microsoft.com/office/drawing/2014/main" id="{59AA35B2-88D9-4052-88E6-79A14EEF9D6D}"/>
+                </a:ext>
+              </a:extLst>
+            </p:cNvPr>
+            <p:cNvCxnSpPr>
+              <a:cxnSpLocks/>
+              <a:stCxn id="30" idx="3"/>
+              <a:endCxn id="7" idx="6"/>
+            </p:cNvCxnSpPr>
+            <p:nvPr/>
+          </p:nvCxnSpPr>
+          <p:spPr>
+            <a:xfrm flipH="1">
+              <a:off x="4015003" y="3940956"/>
+              <a:ext cx="755647" cy="692441"/>
+            </a:xfrm>
+            <a:prstGeom prst="line">
+              <a:avLst/>
+            </a:prstGeom>
+            <a:ln w="19050">
+              <a:solidFill>
+                <a:schemeClr val="tx1"/>
+              </a:solidFill>
+            </a:ln>
+          </p:spPr>
+          <p:style>
+            <a:lnRef idx="1">
+              <a:schemeClr val="accent1"/>
+            </a:lnRef>
+            <a:fillRef idx="0">
+              <a:schemeClr val="accent1"/>
+            </a:fillRef>
+            <a:effectRef idx="0">
+              <a:schemeClr val="accent1"/>
+            </a:effectRef>
+            <a:fontRef idx="minor">
+              <a:schemeClr val="tx1"/>
+            </a:fontRef>
+          </p:style>
+        </p:cxnSp>
+        <p:cxnSp>
+          <p:nvCxnSpPr>
+            <p:cNvPr id="12" name="Conector recto 11">
+              <a:extLst>
+                <a:ext uri="{FF2B5EF4-FFF2-40B4-BE49-F238E27FC236}">
+                  <a16:creationId xmlns:a16="http://schemas.microsoft.com/office/drawing/2014/main" id="{443EE24B-9DCE-43DB-B698-4E3FCF5725FF}"/>
+                </a:ext>
+              </a:extLst>
+            </p:cNvPr>
+            <p:cNvCxnSpPr>
+              <a:cxnSpLocks/>
+              <a:stCxn id="7" idx="0"/>
+              <a:endCxn id="3" idx="4"/>
+            </p:cNvCxnSpPr>
+            <p:nvPr/>
+          </p:nvCxnSpPr>
+          <p:spPr>
+            <a:xfrm flipV="1">
+              <a:off x="3709003" y="2956507"/>
+              <a:ext cx="0" cy="1370890"/>
+            </a:xfrm>
+            <a:prstGeom prst="line">
+              <a:avLst/>
+            </a:prstGeom>
+            <a:ln w="19050">
+              <a:solidFill>
+                <a:schemeClr val="tx1"/>
+              </a:solidFill>
+            </a:ln>
+          </p:spPr>
+          <p:style>
+            <a:lnRef idx="1">
+              <a:schemeClr val="accent1"/>
+            </a:lnRef>
+            <a:fillRef idx="0">
+              <a:schemeClr val="accent1"/>
+            </a:fillRef>
+            <a:effectRef idx="0">
+              <a:schemeClr val="accent1"/>
+            </a:effectRef>
+            <a:fontRef idx="minor">
+              <a:schemeClr val="tx1"/>
+            </a:fontRef>
+          </p:style>
+        </p:cxnSp>
+        <p:cxnSp>
+          <p:nvCxnSpPr>
+            <p:cNvPr id="13" name="Conector recto 12">
+              <a:extLst>
+                <a:ext uri="{FF2B5EF4-FFF2-40B4-BE49-F238E27FC236}">
+                  <a16:creationId xmlns:a16="http://schemas.microsoft.com/office/drawing/2014/main" id="{73DAB9F1-3371-43B0-9B72-FE255BD330B7}"/>
+                </a:ext>
+              </a:extLst>
+            </p:cNvPr>
+            <p:cNvCxnSpPr>
+              <a:cxnSpLocks/>
+              <a:stCxn id="7" idx="2"/>
+              <a:endCxn id="16" idx="4"/>
+            </p:cNvCxnSpPr>
+            <p:nvPr/>
+          </p:nvCxnSpPr>
+          <p:spPr>
+            <a:xfrm flipH="1" flipV="1">
+              <a:off x="2642999" y="3385356"/>
+              <a:ext cx="760004" cy="1248041"/>
+            </a:xfrm>
+            <a:prstGeom prst="line">
+              <a:avLst/>
+            </a:prstGeom>
+            <a:ln w="19050">
+              <a:solidFill>
+                <a:schemeClr val="tx1"/>
+              </a:solidFill>
+            </a:ln>
+          </p:spPr>
+          <p:style>
+            <a:lnRef idx="1">
+              <a:schemeClr val="accent1"/>
+            </a:lnRef>
+            <a:fillRef idx="0">
+              <a:schemeClr val="accent1"/>
+            </a:fillRef>
+            <a:effectRef idx="0">
+              <a:schemeClr val="accent1"/>
+            </a:effectRef>
+            <a:fontRef idx="minor">
+              <a:schemeClr val="tx1"/>
+            </a:fontRef>
+          </p:style>
+        </p:cxnSp>
+        <p:sp>
+          <p:nvSpPr>
+            <p:cNvPr id="16" name="Elipse 15">
+              <a:extLst>
+                <a:ext uri="{FF2B5EF4-FFF2-40B4-BE49-F238E27FC236}">
+                  <a16:creationId xmlns:a16="http://schemas.microsoft.com/office/drawing/2014/main" id="{3E2020BE-8949-4FB2-B05D-409E4C8E6D9D}"/>
+                </a:ext>
+              </a:extLst>
+            </p:cNvPr>
+            <p:cNvSpPr/>
+            <p:nvPr/>
+          </p:nvSpPr>
+          <p:spPr>
+            <a:xfrm>
+              <a:off x="2336999" y="2773356"/>
+              <a:ext cx="612000" cy="612000"/>
+            </a:xfrm>
+            <a:prstGeom prst="ellipse">
+              <a:avLst/>
+            </a:prstGeom>
+            <a:solidFill>
+              <a:schemeClr val="tx1"/>
+            </a:solidFill>
+            <a:ln>
+              <a:noFill/>
+            </a:ln>
+          </p:spPr>
+          <p:style>
+            <a:lnRef idx="2">
+              <a:schemeClr val="accent1">
+                <a:shade val="50000"/>
+              </a:schemeClr>
+            </a:lnRef>
+            <a:fillRef idx="1">
+              <a:schemeClr val="accent1"/>
+            </a:fillRef>
+            <a:effectRef idx="0">
+              <a:schemeClr val="accent1"/>
+            </a:effectRef>
+            <a:fontRef idx="minor">
+              <a:schemeClr val="lt1"/>
+            </a:fontRef>
+          </p:style>
+          <p:txBody>
+            <a:bodyPr rtlCol="0" anchor="ctr"/>
+            <a:lstStyle/>
+            <a:p>
+              <a:pPr algn="ctr"/>
+              <a:endParaRPr lang="es-MX"/>
+            </a:p>
+          </p:txBody>
+        </p:sp>
+      </p:grpSp>
+      <p:sp>
+        <p:nvSpPr>
+          <p:cNvPr id="18" name="Elipse 17">
+            <a:extLst>
+              <a:ext uri="{FF2B5EF4-FFF2-40B4-BE49-F238E27FC236}">
+                <a16:creationId xmlns:a16="http://schemas.microsoft.com/office/drawing/2014/main" id="{DF88178E-3ED0-42D8-80C2-3BF3D712E161}"/>
+              </a:ext>
+            </a:extLst>
+          </p:cNvPr>
+          <p:cNvSpPr/>
+          <p:nvPr/>
+        </p:nvSpPr>
+        <p:spPr>
+          <a:xfrm>
+            <a:off x="2590800" y="1222768"/>
+            <a:ext cx="7343775" cy="4105275"/>
+          </a:xfrm>
+          <a:prstGeom prst="ellipse">
+            <a:avLst/>
+          </a:prstGeom>
+          <a:noFill/>
+          <a:ln w="3175">
+            <a:solidFill>
+              <a:schemeClr val="accent6">
+                <a:lumMod val="50000"/>
+              </a:schemeClr>
+            </a:solidFill>
+            <a:prstDash val="solid"/>
+          </a:ln>
+        </p:spPr>
+        <p:style>
+          <a:lnRef idx="2">
+            <a:schemeClr val="accent1">
+              <a:shade val="50000"/>
+            </a:schemeClr>
+          </a:lnRef>
+          <a:fillRef idx="1">
+            <a:schemeClr val="accent1"/>
+          </a:fillRef>
+          <a:effectRef idx="0">
+            <a:schemeClr val="accent1"/>
+          </a:effectRef>
+          <a:fontRef idx="minor">
+            <a:schemeClr val="lt1"/>
+          </a:fontRef>
+        </p:style>
+        <p:txBody>
+          <a:bodyPr rtlCol="0" anchor="ctr"/>
+          <a:lstStyle/>
+          <a:p>
+            <a:pPr algn="ctr"/>
+            <a:endParaRPr lang="es-MX"/>
+          </a:p>
+        </p:txBody>
+      </p:sp>
+      <p:sp>
+        <p:nvSpPr>
+          <p:cNvPr id="19" name="CuadroTexto 18">
+            <a:extLst>
+              <a:ext uri="{FF2B5EF4-FFF2-40B4-BE49-F238E27FC236}">
+                <a16:creationId xmlns:a16="http://schemas.microsoft.com/office/drawing/2014/main" id="{F7F5C5E6-7A41-4C6D-A50D-171D87D66AF9}"/>
+              </a:ext>
+            </a:extLst>
+          </p:cNvPr>
+          <p:cNvSpPr txBox="1"/>
+          <p:nvPr/>
+        </p:nvSpPr>
+        <p:spPr>
+          <a:xfrm>
+            <a:off x="8883029" y="1487767"/>
+            <a:ext cx="492772" cy="400110"/>
+          </a:xfrm>
+          <a:prstGeom prst="rect">
+            <a:avLst/>
+          </a:prstGeom>
+          <a:noFill/>
+        </p:spPr>
+        <p:txBody>
+          <a:bodyPr wrap="square" rtlCol="0">
+            <a:spAutoFit/>
+          </a:bodyPr>
+          <a:lstStyle/>
+          <a:p>
+            <a:r>
+              <a:rPr lang="es-MX" sz="2000" b="1" dirty="0">
+                <a:solidFill>
+                  <a:schemeClr val="accent6">
+                    <a:lumMod val="50000"/>
+                  </a:schemeClr>
+                </a:solidFill>
+                <a:latin typeface="Century Gothic" panose="020B0502020202020204" pitchFamily="34" charset="0"/>
+              </a:rPr>
+              <a:t>G</a:t>
+            </a:r>
+          </a:p>
+        </p:txBody>
+      </p:sp>
+      <p:sp>
+        <p:nvSpPr>
+          <p:cNvPr id="20" name="Elipse 19">
+            <a:extLst>
+              <a:ext uri="{FF2B5EF4-FFF2-40B4-BE49-F238E27FC236}">
+                <a16:creationId xmlns:a16="http://schemas.microsoft.com/office/drawing/2014/main" id="{F23C802F-19E9-489B-BAD7-65C72D362CBC}"/>
+              </a:ext>
+            </a:extLst>
+          </p:cNvPr>
+          <p:cNvSpPr/>
+          <p:nvPr/>
+        </p:nvSpPr>
+        <p:spPr>
+          <a:xfrm>
+            <a:off x="4162049" y="1344646"/>
+            <a:ext cx="3829425" cy="3894104"/>
+          </a:xfrm>
+          <a:prstGeom prst="ellipse">
+            <a:avLst/>
+          </a:prstGeom>
+          <a:noFill/>
+          <a:ln w="28575">
+            <a:solidFill>
+              <a:schemeClr val="accent2">
+                <a:lumMod val="50000"/>
+              </a:schemeClr>
+            </a:solidFill>
+            <a:prstDash val="sysDot"/>
+          </a:ln>
+        </p:spPr>
+        <p:style>
+          <a:lnRef idx="2">
+            <a:schemeClr val="accent1">
+              <a:shade val="50000"/>
+            </a:schemeClr>
+          </a:lnRef>
+          <a:fillRef idx="1">
+            <a:schemeClr val="accent1"/>
+          </a:fillRef>
+          <a:effectRef idx="0">
+            <a:schemeClr val="accent1"/>
+          </a:effectRef>
+          <a:fontRef idx="minor">
+            <a:schemeClr val="lt1"/>
+          </a:fontRef>
+        </p:style>
+        <p:txBody>
+          <a:bodyPr rtlCol="0" anchor="ctr"/>
+          <a:lstStyle/>
+          <a:p>
+            <a:pPr algn="ctr"/>
+            <a:endParaRPr lang="es-MX"/>
+          </a:p>
+        </p:txBody>
+      </p:sp>
+      <p:sp>
+        <p:nvSpPr>
+          <p:cNvPr id="21" name="CuadroTexto 20">
+            <a:extLst>
+              <a:ext uri="{FF2B5EF4-FFF2-40B4-BE49-F238E27FC236}">
+                <a16:creationId xmlns:a16="http://schemas.microsoft.com/office/drawing/2014/main" id="{9F264D33-41DB-4A73-A50C-0199B5E92A56}"/>
+              </a:ext>
+            </a:extLst>
+          </p:cNvPr>
+          <p:cNvSpPr txBox="1"/>
+          <p:nvPr/>
+        </p:nvSpPr>
+        <p:spPr>
+          <a:xfrm>
+            <a:off x="7318889" y="1522747"/>
+            <a:ext cx="612000" cy="400110"/>
+          </a:xfrm>
+          <a:prstGeom prst="rect">
+            <a:avLst/>
+          </a:prstGeom>
+          <a:noFill/>
+        </p:spPr>
+        <p:txBody>
+          <a:bodyPr wrap="square" rtlCol="0">
+            <a:spAutoFit/>
+          </a:bodyPr>
+          <a:lstStyle/>
+          <a:p>
+            <a:r>
+              <a:rPr lang="es-MX" sz="2000" b="1" dirty="0">
+                <a:solidFill>
+                  <a:schemeClr val="accent2">
+                    <a:lumMod val="50000"/>
+                  </a:schemeClr>
+                </a:solidFill>
+                <a:latin typeface="Century Gothic" panose="020B0502020202020204" pitchFamily="34" charset="0"/>
+              </a:rPr>
+              <a:t>G*</a:t>
+            </a:r>
+          </a:p>
+        </p:txBody>
+      </p:sp>
+      <p:sp>
+        <p:nvSpPr>
+          <p:cNvPr id="24" name="CuadroTexto 23">
+            <a:extLst>
+              <a:ext uri="{FF2B5EF4-FFF2-40B4-BE49-F238E27FC236}">
+                <a16:creationId xmlns:a16="http://schemas.microsoft.com/office/drawing/2014/main" id="{3D2849A3-1E5A-4DDC-934D-24B3C35F15C6}"/>
+              </a:ext>
+            </a:extLst>
+          </p:cNvPr>
+          <p:cNvSpPr txBox="1"/>
+          <p:nvPr/>
+        </p:nvSpPr>
+        <p:spPr>
+          <a:xfrm>
+            <a:off x="3571760" y="2505075"/>
+            <a:ext cx="370193" cy="400110"/>
+          </a:xfrm>
+          <a:prstGeom prst="rect">
+            <a:avLst/>
+          </a:prstGeom>
+          <a:noFill/>
+        </p:spPr>
+        <p:txBody>
+          <a:bodyPr wrap="square" rtlCol="0">
+            <a:spAutoFit/>
+          </a:bodyPr>
+          <a:lstStyle/>
+          <a:p>
+            <a:r>
+              <a:rPr lang="es-MX" sz="2000" b="1" dirty="0">
+                <a:solidFill>
+                  <a:schemeClr val="bg1"/>
+                </a:solidFill>
+                <a:latin typeface="Century Gothic" panose="020B0502020202020204" pitchFamily="34" charset="0"/>
+              </a:rPr>
+              <a:t>1</a:t>
+            </a:r>
+          </a:p>
+        </p:txBody>
+      </p:sp>
+      <p:sp>
+        <p:nvSpPr>
+          <p:cNvPr id="25" name="CuadroTexto 24">
+            <a:extLst>
+              <a:ext uri="{FF2B5EF4-FFF2-40B4-BE49-F238E27FC236}">
+                <a16:creationId xmlns:a16="http://schemas.microsoft.com/office/drawing/2014/main" id="{C0EDCDBF-D26C-4358-9704-5A9DF49C9EE6}"/>
+              </a:ext>
+            </a:extLst>
+          </p:cNvPr>
+          <p:cNvSpPr txBox="1"/>
+          <p:nvPr/>
+        </p:nvSpPr>
+        <p:spPr>
+          <a:xfrm>
+            <a:off x="4664781" y="2091592"/>
+            <a:ext cx="370193" cy="400110"/>
+          </a:xfrm>
+          <a:prstGeom prst="rect">
+            <a:avLst/>
+          </a:prstGeom>
+          <a:noFill/>
+        </p:spPr>
+        <p:txBody>
+          <a:bodyPr wrap="square" rtlCol="0">
+            <a:spAutoFit/>
+          </a:bodyPr>
+          <a:lstStyle/>
+          <a:p>
+            <a:r>
+              <a:rPr lang="es-MX" sz="2000" b="1" dirty="0">
+                <a:solidFill>
+                  <a:schemeClr val="bg1"/>
+                </a:solidFill>
+                <a:latin typeface="Century Gothic" panose="020B0502020202020204" pitchFamily="34" charset="0"/>
+              </a:rPr>
+              <a:t>3</a:t>
+            </a:r>
+          </a:p>
+        </p:txBody>
+      </p:sp>
+      <p:sp>
+        <p:nvSpPr>
+          <p:cNvPr id="26" name="CuadroTexto 25">
+            <a:extLst>
+              <a:ext uri="{FF2B5EF4-FFF2-40B4-BE49-F238E27FC236}">
+                <a16:creationId xmlns:a16="http://schemas.microsoft.com/office/drawing/2014/main" id="{FF7751D5-35DB-4ED4-9BCF-5EE75966CD31}"/>
+              </a:ext>
+            </a:extLst>
+          </p:cNvPr>
+          <p:cNvSpPr txBox="1"/>
+          <p:nvPr/>
+        </p:nvSpPr>
+        <p:spPr>
+          <a:xfrm>
+            <a:off x="4664781" y="4059108"/>
+            <a:ext cx="370193" cy="400110"/>
+          </a:xfrm>
+          <a:prstGeom prst="rect">
+            <a:avLst/>
+          </a:prstGeom>
+          <a:noFill/>
+        </p:spPr>
+        <p:txBody>
+          <a:bodyPr wrap="square" rtlCol="0">
+            <a:spAutoFit/>
+          </a:bodyPr>
+          <a:lstStyle/>
+          <a:p>
+            <a:r>
+              <a:rPr lang="es-MX" sz="2000" b="1" dirty="0">
+                <a:solidFill>
+                  <a:schemeClr val="bg1"/>
+                </a:solidFill>
+                <a:latin typeface="Century Gothic" panose="020B0502020202020204" pitchFamily="34" charset="0"/>
+              </a:rPr>
+              <a:t>3</a:t>
+            </a:r>
+          </a:p>
+        </p:txBody>
+      </p:sp>
+      <p:sp>
+        <p:nvSpPr>
+          <p:cNvPr id="27" name="CuadroTexto 26">
+            <a:extLst>
+              <a:ext uri="{FF2B5EF4-FFF2-40B4-BE49-F238E27FC236}">
+                <a16:creationId xmlns:a16="http://schemas.microsoft.com/office/drawing/2014/main" id="{6F552B36-9436-4DF9-85AC-BD26F3105D08}"/>
+              </a:ext>
+            </a:extLst>
+          </p:cNvPr>
+          <p:cNvSpPr txBox="1"/>
+          <p:nvPr/>
+        </p:nvSpPr>
+        <p:spPr>
+          <a:xfrm>
+            <a:off x="7062528" y="2044735"/>
+            <a:ext cx="370193" cy="400110"/>
+          </a:xfrm>
+          <a:prstGeom prst="rect">
+            <a:avLst/>
+          </a:prstGeom>
+          <a:noFill/>
+        </p:spPr>
+        <p:txBody>
+          <a:bodyPr wrap="square" rtlCol="0">
+            <a:spAutoFit/>
+          </a:bodyPr>
+          <a:lstStyle/>
+          <a:p>
+            <a:r>
+              <a:rPr lang="es-MX" sz="2000" b="1" dirty="0">
+                <a:solidFill>
+                  <a:schemeClr val="bg1"/>
+                </a:solidFill>
+                <a:latin typeface="Century Gothic" panose="020B0502020202020204" pitchFamily="34" charset="0"/>
+              </a:rPr>
+              <a:t>2</a:t>
+            </a:r>
+          </a:p>
+        </p:txBody>
+      </p:sp>
+      <p:sp>
+        <p:nvSpPr>
+          <p:cNvPr id="30" name="Elipse 29">
+            <a:extLst>
+              <a:ext uri="{FF2B5EF4-FFF2-40B4-BE49-F238E27FC236}">
+                <a16:creationId xmlns:a16="http://schemas.microsoft.com/office/drawing/2014/main" id="{F64B68E7-2C9E-4C81-A592-A954DF1E5AE0}"/>
+              </a:ext>
+            </a:extLst>
+          </p:cNvPr>
+          <p:cNvSpPr/>
+          <p:nvPr/>
+        </p:nvSpPr>
+        <p:spPr>
+          <a:xfrm>
+            <a:off x="5795450" y="3052034"/>
+            <a:ext cx="612000" cy="612000"/>
+          </a:xfrm>
+          <a:prstGeom prst="ellipse">
+            <a:avLst/>
+          </a:prstGeom>
+          <a:solidFill>
+            <a:schemeClr val="tx1"/>
+          </a:solidFill>
+          <a:ln>
+            <a:noFill/>
+          </a:ln>
+        </p:spPr>
+        <p:style>
+          <a:lnRef idx="2">
+            <a:schemeClr val="accent1">
+              <a:shade val="50000"/>
+            </a:schemeClr>
+          </a:lnRef>
+          <a:fillRef idx="1">
+            <a:schemeClr val="accent1"/>
+          </a:fillRef>
+          <a:effectRef idx="0">
+            <a:schemeClr val="accent1"/>
+          </a:effectRef>
+          <a:fontRef idx="minor">
+            <a:schemeClr val="lt1"/>
+          </a:fontRef>
+        </p:style>
+        <p:txBody>
+          <a:bodyPr rtlCol="0" anchor="ctr"/>
+          <a:lstStyle/>
+          <a:p>
+            <a:pPr algn="ctr"/>
+            <a:endParaRPr lang="es-MX"/>
+          </a:p>
+        </p:txBody>
+      </p:sp>
+      <p:cxnSp>
+        <p:nvCxnSpPr>
+          <p:cNvPr id="32" name="Conector recto 31">
+            <a:extLst>
+              <a:ext uri="{FF2B5EF4-FFF2-40B4-BE49-F238E27FC236}">
+                <a16:creationId xmlns:a16="http://schemas.microsoft.com/office/drawing/2014/main" id="{AD6CE80A-5F33-4041-8E6C-1DC1900F550F}"/>
+              </a:ext>
+            </a:extLst>
+          </p:cNvPr>
+          <p:cNvCxnSpPr>
+            <a:cxnSpLocks/>
+            <a:stCxn id="30" idx="5"/>
+            <a:endCxn id="5" idx="1"/>
+          </p:cNvCxnSpPr>
+          <p:nvPr/>
+        </p:nvCxnSpPr>
+        <p:spPr>
+          <a:xfrm>
+            <a:off x="6317825" y="3574409"/>
+            <a:ext cx="686975" cy="476066"/>
+          </a:xfrm>
+          <a:prstGeom prst="line">
+            <a:avLst/>
+          </a:prstGeom>
+          <a:ln w="19050">
+            <a:solidFill>
+              <a:schemeClr val="tx1"/>
+            </a:solidFill>
+          </a:ln>
+        </p:spPr>
+        <p:style>
+          <a:lnRef idx="1">
+            <a:schemeClr val="accent1"/>
+          </a:lnRef>
+          <a:fillRef idx="0">
+            <a:schemeClr val="accent1"/>
+          </a:fillRef>
+          <a:effectRef idx="0">
+            <a:schemeClr val="accent1"/>
+          </a:effectRef>
+          <a:fontRef idx="minor">
+            <a:schemeClr val="tx1"/>
+          </a:fontRef>
+        </p:style>
+      </p:cxnSp>
+      <p:cxnSp>
+        <p:nvCxnSpPr>
+          <p:cNvPr id="36" name="Conector recto 35">
+            <a:extLst>
+              <a:ext uri="{FF2B5EF4-FFF2-40B4-BE49-F238E27FC236}">
+                <a16:creationId xmlns:a16="http://schemas.microsoft.com/office/drawing/2014/main" id="{FE354815-0260-461F-9D40-7297390952E7}"/>
+              </a:ext>
+            </a:extLst>
+          </p:cNvPr>
+          <p:cNvCxnSpPr>
+            <a:cxnSpLocks/>
+            <a:stCxn id="30" idx="1"/>
+          </p:cNvCxnSpPr>
+          <p:nvPr/>
+        </p:nvCxnSpPr>
+        <p:spPr>
+          <a:xfrm flipH="1" flipV="1">
+            <a:off x="5047129" y="2491703"/>
+            <a:ext cx="837946" cy="649956"/>
+          </a:xfrm>
+          <a:prstGeom prst="line">
+            <a:avLst/>
+          </a:prstGeom>
+          <a:ln w="19050">
+            <a:solidFill>
+              <a:schemeClr val="tx1"/>
+            </a:solidFill>
+          </a:ln>
+        </p:spPr>
+        <p:style>
+          <a:lnRef idx="1">
+            <a:schemeClr val="accent1"/>
+          </a:lnRef>
+          <a:fillRef idx="0">
+            <a:schemeClr val="accent1"/>
+          </a:fillRef>
+          <a:effectRef idx="0">
+            <a:schemeClr val="accent1"/>
+          </a:effectRef>
+          <a:fontRef idx="minor">
+            <a:schemeClr val="tx1"/>
+          </a:fontRef>
+        </p:style>
+      </p:cxnSp>
+      <p:sp>
+        <p:nvSpPr>
+          <p:cNvPr id="39" name="CuadroTexto 38">
+            <a:extLst>
+              <a:ext uri="{FF2B5EF4-FFF2-40B4-BE49-F238E27FC236}">
+                <a16:creationId xmlns:a16="http://schemas.microsoft.com/office/drawing/2014/main" id="{7CCB7D8B-5C0D-452E-BA19-0864311C0B0D}"/>
+              </a:ext>
+            </a:extLst>
+          </p:cNvPr>
+          <p:cNvSpPr txBox="1"/>
+          <p:nvPr/>
+        </p:nvSpPr>
+        <p:spPr>
+          <a:xfrm>
+            <a:off x="5913760" y="3141659"/>
+            <a:ext cx="370193" cy="400110"/>
+          </a:xfrm>
+          <a:prstGeom prst="rect">
+            <a:avLst/>
+          </a:prstGeom>
+          <a:noFill/>
+        </p:spPr>
+        <p:txBody>
+          <a:bodyPr wrap="square" rtlCol="0">
+            <a:spAutoFit/>
+          </a:bodyPr>
+          <a:lstStyle/>
+          <a:p>
+            <a:r>
+              <a:rPr lang="es-MX" sz="2000" b="1" dirty="0">
+                <a:solidFill>
+                  <a:schemeClr val="bg1"/>
+                </a:solidFill>
+                <a:latin typeface="Century Gothic" panose="020B0502020202020204" pitchFamily="34" charset="0"/>
+              </a:rPr>
+              <a:t>3</a:t>
+            </a:r>
+          </a:p>
+        </p:txBody>
+      </p:sp>
+      <p:sp>
+        <p:nvSpPr>
+          <p:cNvPr id="40" name="CuadroTexto 39">
+            <a:extLst>
+              <a:ext uri="{FF2B5EF4-FFF2-40B4-BE49-F238E27FC236}">
+                <a16:creationId xmlns:a16="http://schemas.microsoft.com/office/drawing/2014/main" id="{9D58CD07-2826-458A-AEC1-1A43A7C707C2}"/>
+              </a:ext>
+            </a:extLst>
+          </p:cNvPr>
+          <p:cNvSpPr txBox="1"/>
+          <p:nvPr/>
+        </p:nvSpPr>
+        <p:spPr>
+          <a:xfrm>
+            <a:off x="7080384" y="4057577"/>
+            <a:ext cx="370193" cy="400110"/>
+          </a:xfrm>
+          <a:prstGeom prst="rect">
+            <a:avLst/>
+          </a:prstGeom>
+          <a:noFill/>
+        </p:spPr>
+        <p:txBody>
+          <a:bodyPr wrap="square" rtlCol="0">
+            <a:spAutoFit/>
+          </a:bodyPr>
+          <a:lstStyle/>
+          <a:p>
+            <a:r>
+              <a:rPr lang="es-MX" sz="2000" b="1" dirty="0">
+                <a:solidFill>
+                  <a:schemeClr val="bg1"/>
+                </a:solidFill>
+                <a:latin typeface="Century Gothic" panose="020B0502020202020204" pitchFamily="34" charset="0"/>
+              </a:rPr>
+              <a:t>2</a:t>
+            </a:r>
+          </a:p>
+        </p:txBody>
+      </p:sp>
+      <p:sp>
+        <p:nvSpPr>
+          <p:cNvPr id="41" name="CuadroTexto 40">
+            <a:extLst>
+              <a:ext uri="{FF2B5EF4-FFF2-40B4-BE49-F238E27FC236}">
+                <a16:creationId xmlns:a16="http://schemas.microsoft.com/office/drawing/2014/main" id="{6D2BBF69-55E8-448C-AE4E-3FE5D4C49544}"/>
+              </a:ext>
+            </a:extLst>
+          </p:cNvPr>
+          <p:cNvSpPr txBox="1"/>
+          <p:nvPr/>
+        </p:nvSpPr>
+        <p:spPr>
+          <a:xfrm>
+            <a:off x="9233209" y="2941604"/>
+            <a:ext cx="370193" cy="400110"/>
+          </a:xfrm>
+          <a:prstGeom prst="rect">
+            <a:avLst/>
+          </a:prstGeom>
+          <a:noFill/>
+        </p:spPr>
+        <p:txBody>
+          <a:bodyPr wrap="square" rtlCol="0">
+            <a:spAutoFit/>
+          </a:bodyPr>
+          <a:lstStyle/>
+          <a:p>
+            <a:r>
+              <a:rPr lang="es-MX" sz="2000" b="1" dirty="0">
+                <a:solidFill>
+                  <a:schemeClr val="bg1"/>
+                </a:solidFill>
+                <a:latin typeface="Century Gothic" panose="020B0502020202020204" pitchFamily="34" charset="0"/>
+              </a:rPr>
+              <a:t>2</a:t>
+            </a:r>
+          </a:p>
+        </p:txBody>
+      </p:sp>
+    </p:spTree>
+    <p:extLst>
+      <p:ext uri="{BB962C8B-B14F-4D97-AF65-F5344CB8AC3E}">
+        <p14:creationId xmlns:p14="http://schemas.microsoft.com/office/powerpoint/2010/main" val="3651628066"/>
+      </p:ext>
+    </p:extLst>
+  </p:cSld>
+  <p:clrMapOvr>
+    <a:masterClrMapping/>
+  </p:clrMapOvr>
+</p:sld>
+</file>
+
 <file path=ppt/slides/slide2.xml><?xml version="1.0" encoding="utf-8"?>
 <p:sld xmlns:a="http://schemas.openxmlformats.org/drawingml/2006/main" xmlns:r="http://schemas.openxmlformats.org/officeDocument/2006/relationships" xmlns:p="http://schemas.openxmlformats.org/presentationml/2006/main">
   <p:cSld>
@@ -4957,7 +8888,7 @@
         </p:nvGrpSpPr>
         <p:grpSpPr>
           <a:xfrm>
-            <a:off x="2305049" y="2971799"/>
+            <a:off x="2581274" y="2905124"/>
             <a:ext cx="360000" cy="360000"/>
             <a:chOff x="2305049" y="2971799"/>
             <a:chExt cx="360000" cy="360000"/>
@@ -5078,7 +9009,7 @@
         </p:nvGrpSpPr>
         <p:grpSpPr>
           <a:xfrm>
-            <a:off x="5736000" y="3055449"/>
+            <a:off x="6012225" y="2988774"/>
             <a:ext cx="1781424" cy="368300"/>
             <a:chOff x="5736000" y="3055449"/>
             <a:chExt cx="1781424" cy="368300"/>
